--- a/Final Project/Final_Project_WenZhe_YanZhang.pptx
+++ b/Final Project/Final_Project_WenZhe_YanZhang.pptx
@@ -253,7 +253,7 @@
           <a:p>
             <a:fld id="{9184DA70-C731-4C70-880D-CCD4705E623C}" type="datetime1">
               <a:rPr lang="en-US" smtClean="0"/>
-              <a:t>12/2/19</a:t>
+              <a:t>12/2/2019</a:t>
             </a:fld>
             <a:endParaRPr lang="en-US" dirty="0"/>
           </a:p>
@@ -423,7 +423,7 @@
           <a:p>
             <a:fld id="{B612A279-0833-481D-8C56-F67FD0AC6C50}" type="datetime1">
               <a:rPr lang="en-US" smtClean="0"/>
-              <a:t>12/2/19</a:t>
+              <a:t>12/2/2019</a:t>
             </a:fld>
             <a:endParaRPr lang="en-US" dirty="0"/>
           </a:p>
@@ -603,7 +603,7 @@
           <a:p>
             <a:fld id="{6587DA83-5663-4C9C-B9AA-0B40A3DAFF81}" type="datetime1">
               <a:rPr lang="en-US" smtClean="0"/>
-              <a:t>12/2/19</a:t>
+              <a:t>12/2/2019</a:t>
             </a:fld>
             <a:endParaRPr lang="en-US" dirty="0"/>
           </a:p>
@@ -773,7 +773,7 @@
           <a:p>
             <a:fld id="{4BE1D723-8F53-4F53-90B0-1982A396982E}" type="datetime1">
               <a:rPr lang="en-US" smtClean="0"/>
-              <a:t>12/2/19</a:t>
+              <a:t>12/2/2019</a:t>
             </a:fld>
             <a:endParaRPr lang="en-US" dirty="0"/>
           </a:p>
@@ -1019,7 +1019,7 @@
           <a:p>
             <a:fld id="{97669AF7-7BEB-44E4-9852-375E34362B5B}" type="datetime1">
               <a:rPr lang="en-US" smtClean="0"/>
-              <a:t>12/2/19</a:t>
+              <a:t>12/2/2019</a:t>
             </a:fld>
             <a:endParaRPr lang="en-US" dirty="0"/>
           </a:p>
@@ -1251,7 +1251,7 @@
           <a:p>
             <a:fld id="{BAAAC38D-0552-4C82-B593-E6124DFADBE2}" type="datetime1">
               <a:rPr lang="en-US" smtClean="0"/>
-              <a:t>12/2/19</a:t>
+              <a:t>12/2/2019</a:t>
             </a:fld>
             <a:endParaRPr lang="en-US" dirty="0"/>
           </a:p>
@@ -1618,7 +1618,7 @@
           <a:p>
             <a:fld id="{D9DF0F1C-5577-4ACB-BB62-DF8F3C494C7E}" type="datetime1">
               <a:rPr lang="en-US" smtClean="0"/>
-              <a:t>12/2/19</a:t>
+              <a:t>12/2/2019</a:t>
             </a:fld>
             <a:endParaRPr lang="en-US" dirty="0"/>
           </a:p>
@@ -1736,7 +1736,7 @@
           <a:p>
             <a:fld id="{1775B394-D9F9-4F0C-B15D-605F45CB9E9F}" type="datetime1">
               <a:rPr lang="en-US" smtClean="0"/>
-              <a:t>12/2/19</a:t>
+              <a:t>12/2/2019</a:t>
             </a:fld>
             <a:endParaRPr lang="en-US" dirty="0"/>
           </a:p>
@@ -1831,7 +1831,7 @@
           <a:p>
             <a:fld id="{39667345-2558-425A-8533-9BFDBCE15005}" type="datetime1">
               <a:rPr lang="en-US" smtClean="0"/>
-              <a:t>12/2/19</a:t>
+              <a:t>12/2/2019</a:t>
             </a:fld>
             <a:endParaRPr lang="en-US" dirty="0"/>
           </a:p>
@@ -2108,7 +2108,7 @@
           <a:p>
             <a:fld id="{92BEA474-078D-4E9B-9B14-09A87B19DC46}" type="datetime1">
               <a:rPr lang="en-US" smtClean="0"/>
-              <a:t>12/2/19</a:t>
+              <a:t>12/2/2019</a:t>
             </a:fld>
             <a:endParaRPr lang="en-US" dirty="0"/>
           </a:p>
@@ -2366,7 +2366,7 @@
           <a:p>
             <a:fld id="{4907D986-8816-4272-A432-0437A28A9828}" type="datetime1">
               <a:rPr lang="en-US" smtClean="0"/>
-              <a:t>12/2/19</a:t>
+              <a:t>12/2/2019</a:t>
             </a:fld>
             <a:endParaRPr lang="en-US" dirty="0"/>
           </a:p>
@@ -2580,7 +2580,7 @@
           <a:p>
             <a:fld id="{62D6E202-B606-4609-B914-27C9371A1F6D}" type="datetime1">
               <a:rPr lang="en-US" smtClean="0"/>
-              <a:t>12/2/19</a:t>
+              <a:t>12/2/2019</a:t>
             </a:fld>
             <a:endParaRPr lang="en-US" dirty="0"/>
           </a:p>
@@ -3177,31 +3177,42 @@
           </a:p>
         </p:txBody>
       </p:sp>
-      <p:sp>
-        <p:nvSpPr>
-          <p:cNvPr id="3" name="Content Placeholder 2">
+      <p:pic>
+        <p:nvPicPr>
+          <p:cNvPr id="4" name="final_5de58cb1a27d220013fc703e_764187">
+            <a:hlinkClick r:id="" action="ppaction://media"/>
             <a:extLst>
               <a:ext uri="{FF2B5EF4-FFF2-40B4-BE49-F238E27FC236}">
-                <a16:creationId xmlns:a16="http://schemas.microsoft.com/office/drawing/2014/main" id="{595491B5-D2DC-5D44-A745-270B93765929}"/>
+                <a16:creationId xmlns:a16="http://schemas.microsoft.com/office/drawing/2014/main" id="{314F1D67-2579-4EF4-BE34-CF4DCE2D9E98}"/>
               </a:ext>
             </a:extLst>
           </p:cNvPr>
-          <p:cNvSpPr>
-            <a:spLocks noGrp="1"/>
-          </p:cNvSpPr>
+          <p:cNvPicPr>
+            <a:picLocks noGrp="1" noChangeAspect="1"/>
+          </p:cNvPicPr>
           <p:nvPr>
             <p:ph idx="1"/>
-          </p:nvPr>
-        </p:nvSpPr>
-        <p:spPr/>
-        <p:txBody>
-          <a:bodyPr/>
-          <a:lstStyle/>
-          <a:p>
-            <a:endParaRPr lang="en-US"/>
-          </a:p>
-        </p:txBody>
-      </p:sp>
+            <a:videoFile r:link="rId2"/>
+            <p:extLst>
+              <p:ext uri="{DAA4B4D4-6D71-4841-9C94-3DE7FCFB9230}">
+                <p14:media xmlns:p14="http://schemas.microsoft.com/office/powerpoint/2010/main" r:embed="rId1"/>
+              </p:ext>
+            </p:extLst>
+          </p:nvPr>
+        </p:nvPicPr>
+        <p:blipFill>
+          <a:blip r:embed="rId4"/>
+          <a:stretch>
+            <a:fillRect/>
+          </a:stretch>
+        </p:blipFill>
+        <p:spPr>
+          <a:xfrm>
+            <a:off x="4203700" y="1825625"/>
+            <a:ext cx="3783013" cy="4351338"/>
+          </a:xfrm>
+        </p:spPr>
+      </p:pic>
     </p:spTree>
     <p:extLst>
       <p:ext uri="{BB962C8B-B14F-4D97-AF65-F5344CB8AC3E}">
@@ -3212,6 +3223,141 @@
   <p:clrMapOvr>
     <a:masterClrMapping/>
   </p:clrMapOvr>
+  <p:timing>
+    <p:tnLst>
+      <p:par>
+        <p:cTn id="1" dur="indefinite" restart="never" nodeType="tmRoot">
+          <p:childTnLst>
+            <p:seq concurrent="1" nextAc="seek">
+              <p:cTn id="2" dur="indefinite" nodeType="mainSeq">
+                <p:childTnLst>
+                  <p:par>
+                    <p:cTn id="3" fill="hold">
+                      <p:stCondLst>
+                        <p:cond delay="indefinite"/>
+                      </p:stCondLst>
+                      <p:childTnLst>
+                        <p:par>
+                          <p:cTn id="4" fill="hold">
+                            <p:stCondLst>
+                              <p:cond delay="0"/>
+                            </p:stCondLst>
+                            <p:childTnLst>
+                              <p:par>
+                                <p:cTn id="5" presetID="1" presetClass="mediacall" presetSubtype="0" fill="hold" nodeType="clickEffect">
+                                  <p:stCondLst>
+                                    <p:cond delay="0"/>
+                                  </p:stCondLst>
+                                  <p:childTnLst>
+                                    <p:cmd type="call" cmd="playFrom(0.0)">
+                                      <p:cBhvr>
+                                        <p:cTn id="6" dur="15383" fill="hold"/>
+                                        <p:tgtEl>
+                                          <p:spTgt spid="4"/>
+                                        </p:tgtEl>
+                                      </p:cBhvr>
+                                    </p:cmd>
+                                  </p:childTnLst>
+                                </p:cTn>
+                              </p:par>
+                            </p:childTnLst>
+                          </p:cTn>
+                        </p:par>
+                      </p:childTnLst>
+                    </p:cTn>
+                  </p:par>
+                </p:childTnLst>
+              </p:cTn>
+              <p:prevCondLst>
+                <p:cond evt="onPrev" delay="0">
+                  <p:tgtEl>
+                    <p:sldTgt/>
+                  </p:tgtEl>
+                </p:cond>
+              </p:prevCondLst>
+              <p:nextCondLst>
+                <p:cond evt="onNext" delay="0">
+                  <p:tgtEl>
+                    <p:sldTgt/>
+                  </p:tgtEl>
+                </p:cond>
+              </p:nextCondLst>
+            </p:seq>
+            <p:video>
+              <p:cMediaNode vol="80000">
+                <p:cTn id="7" fill="hold" display="0">
+                  <p:stCondLst>
+                    <p:cond delay="indefinite"/>
+                  </p:stCondLst>
+                </p:cTn>
+                <p:tgtEl>
+                  <p:spTgt spid="4"/>
+                </p:tgtEl>
+              </p:cMediaNode>
+            </p:video>
+            <p:seq concurrent="1" nextAc="seek">
+              <p:cTn id="8" restart="whenNotActive" fill="hold" evtFilter="cancelBubble" nodeType="interactiveSeq">
+                <p:stCondLst>
+                  <p:cond evt="onClick" delay="0">
+                    <p:tgtEl>
+                      <p:spTgt spid="4"/>
+                    </p:tgtEl>
+                  </p:cond>
+                </p:stCondLst>
+                <p:endSync evt="end" delay="0">
+                  <p:rtn val="all"/>
+                </p:endSync>
+                <p:childTnLst>
+                  <p:par>
+                    <p:cTn id="9" fill="hold">
+                      <p:stCondLst>
+                        <p:cond delay="0"/>
+                      </p:stCondLst>
+                      <p:childTnLst>
+                        <p:par>
+                          <p:cTn id="10" fill="hold">
+                            <p:stCondLst>
+                              <p:cond delay="0"/>
+                            </p:stCondLst>
+                            <p:childTnLst>
+                              <p:par>
+                                <p:cTn id="11" presetID="2" presetClass="mediacall" presetSubtype="0" fill="hold" nodeType="clickEffect">
+                                  <p:stCondLst>
+                                    <p:cond delay="0"/>
+                                  </p:stCondLst>
+                                  <p:childTnLst>
+                                    <p:cmd type="call" cmd="togglePause">
+                                      <p:cBhvr>
+                                        <p:cTn id="12" dur="1" fill="hold"/>
+                                        <p:tgtEl>
+                                          <p:spTgt spid="4"/>
+                                        </p:tgtEl>
+                                      </p:cBhvr>
+                                    </p:cmd>
+                                  </p:childTnLst>
+                                </p:cTn>
+                              </p:par>
+                            </p:childTnLst>
+                          </p:cTn>
+                        </p:par>
+                      </p:childTnLst>
+                    </p:cTn>
+                  </p:par>
+                </p:childTnLst>
+              </p:cTn>
+              <p:nextCondLst>
+                <p:cond evt="onClick" delay="0">
+                  <p:tgtEl>
+                    <p:spTgt spid="4"/>
+                  </p:tgtEl>
+                </p:cond>
+              </p:nextCondLst>
+            </p:seq>
+          </p:childTnLst>
+        </p:cTn>
+      </p:par>
+    </p:tnLst>
+  </p:timing>
 </p:sld>
 </file>
 
@@ -4287,31 +4433,42 @@
           </a:p>
         </p:txBody>
       </p:sp>
-      <p:sp>
-        <p:nvSpPr>
-          <p:cNvPr id="3" name="Content Placeholder 2">
+      <p:pic>
+        <p:nvPicPr>
+          <p:cNvPr id="7" name="final_5de5881842c5dd00148b921d_159781">
+            <a:hlinkClick r:id="" action="ppaction://media"/>
             <a:extLst>
               <a:ext uri="{FF2B5EF4-FFF2-40B4-BE49-F238E27FC236}">
-                <a16:creationId xmlns:a16="http://schemas.microsoft.com/office/drawing/2014/main" id="{534CED8E-3F08-2A4F-8D66-F902E5AAC050}"/>
+                <a16:creationId xmlns:a16="http://schemas.microsoft.com/office/drawing/2014/main" id="{D910C9B8-4B18-41A6-8274-BB1235486F38}"/>
               </a:ext>
             </a:extLst>
           </p:cNvPr>
-          <p:cNvSpPr>
-            <a:spLocks noGrp="1"/>
-          </p:cNvSpPr>
+          <p:cNvPicPr>
+            <a:picLocks noGrp="1" noChangeAspect="1"/>
+          </p:cNvPicPr>
           <p:nvPr>
             <p:ph idx="1"/>
-          </p:nvPr>
-        </p:nvSpPr>
-        <p:spPr/>
-        <p:txBody>
-          <a:bodyPr/>
-          <a:lstStyle/>
-          <a:p>
-            <a:endParaRPr lang="en-US"/>
-          </a:p>
-        </p:txBody>
-      </p:sp>
+            <a:videoFile r:link="rId2"/>
+            <p:extLst>
+              <p:ext uri="{DAA4B4D4-6D71-4841-9C94-3DE7FCFB9230}">
+                <p14:media xmlns:p14="http://schemas.microsoft.com/office/powerpoint/2010/main" r:embed="rId1"/>
+              </p:ext>
+            </p:extLst>
+          </p:nvPr>
+        </p:nvPicPr>
+        <p:blipFill>
+          <a:blip r:embed="rId4"/>
+          <a:stretch>
+            <a:fillRect/>
+          </a:stretch>
+        </p:blipFill>
+        <p:spPr>
+          <a:xfrm>
+            <a:off x="4476750" y="1825625"/>
+            <a:ext cx="3238500" cy="4351338"/>
+          </a:xfrm>
+        </p:spPr>
+      </p:pic>
     </p:spTree>
     <p:extLst>
       <p:ext uri="{BB962C8B-B14F-4D97-AF65-F5344CB8AC3E}">
@@ -4322,6 +4479,141 @@
   <p:clrMapOvr>
     <a:masterClrMapping/>
   </p:clrMapOvr>
+  <p:timing>
+    <p:tnLst>
+      <p:par>
+        <p:cTn id="1" dur="indefinite" restart="never" nodeType="tmRoot">
+          <p:childTnLst>
+            <p:seq concurrent="1" nextAc="seek">
+              <p:cTn id="2" dur="indefinite" nodeType="mainSeq">
+                <p:childTnLst>
+                  <p:par>
+                    <p:cTn id="3" fill="hold">
+                      <p:stCondLst>
+                        <p:cond delay="indefinite"/>
+                      </p:stCondLst>
+                      <p:childTnLst>
+                        <p:par>
+                          <p:cTn id="4" fill="hold">
+                            <p:stCondLst>
+                              <p:cond delay="0"/>
+                            </p:stCondLst>
+                            <p:childTnLst>
+                              <p:par>
+                                <p:cTn id="5" presetID="1" presetClass="mediacall" presetSubtype="0" fill="hold" nodeType="clickEffect">
+                                  <p:stCondLst>
+                                    <p:cond delay="0"/>
+                                  </p:stCondLst>
+                                  <p:childTnLst>
+                                    <p:cmd type="call" cmd="playFrom(0.0)">
+                                      <p:cBhvr>
+                                        <p:cTn id="6" dur="11445" fill="hold"/>
+                                        <p:tgtEl>
+                                          <p:spTgt spid="7"/>
+                                        </p:tgtEl>
+                                      </p:cBhvr>
+                                    </p:cmd>
+                                  </p:childTnLst>
+                                </p:cTn>
+                              </p:par>
+                            </p:childTnLst>
+                          </p:cTn>
+                        </p:par>
+                      </p:childTnLst>
+                    </p:cTn>
+                  </p:par>
+                </p:childTnLst>
+              </p:cTn>
+              <p:prevCondLst>
+                <p:cond evt="onPrev" delay="0">
+                  <p:tgtEl>
+                    <p:sldTgt/>
+                  </p:tgtEl>
+                </p:cond>
+              </p:prevCondLst>
+              <p:nextCondLst>
+                <p:cond evt="onNext" delay="0">
+                  <p:tgtEl>
+                    <p:sldTgt/>
+                  </p:tgtEl>
+                </p:cond>
+              </p:nextCondLst>
+            </p:seq>
+            <p:video>
+              <p:cMediaNode vol="80000">
+                <p:cTn id="7" fill="hold" display="0">
+                  <p:stCondLst>
+                    <p:cond delay="indefinite"/>
+                  </p:stCondLst>
+                </p:cTn>
+                <p:tgtEl>
+                  <p:spTgt spid="7"/>
+                </p:tgtEl>
+              </p:cMediaNode>
+            </p:video>
+            <p:seq concurrent="1" nextAc="seek">
+              <p:cTn id="8" restart="whenNotActive" fill="hold" evtFilter="cancelBubble" nodeType="interactiveSeq">
+                <p:stCondLst>
+                  <p:cond evt="onClick" delay="0">
+                    <p:tgtEl>
+                      <p:spTgt spid="7"/>
+                    </p:tgtEl>
+                  </p:cond>
+                </p:stCondLst>
+                <p:endSync evt="end" delay="0">
+                  <p:rtn val="all"/>
+                </p:endSync>
+                <p:childTnLst>
+                  <p:par>
+                    <p:cTn id="9" fill="hold">
+                      <p:stCondLst>
+                        <p:cond delay="0"/>
+                      </p:stCondLst>
+                      <p:childTnLst>
+                        <p:par>
+                          <p:cTn id="10" fill="hold">
+                            <p:stCondLst>
+                              <p:cond delay="0"/>
+                            </p:stCondLst>
+                            <p:childTnLst>
+                              <p:par>
+                                <p:cTn id="11" presetID="2" presetClass="mediacall" presetSubtype="0" fill="hold" nodeType="clickEffect">
+                                  <p:stCondLst>
+                                    <p:cond delay="0"/>
+                                  </p:stCondLst>
+                                  <p:childTnLst>
+                                    <p:cmd type="call" cmd="togglePause">
+                                      <p:cBhvr>
+                                        <p:cTn id="12" dur="1" fill="hold"/>
+                                        <p:tgtEl>
+                                          <p:spTgt spid="7"/>
+                                        </p:tgtEl>
+                                      </p:cBhvr>
+                                    </p:cmd>
+                                  </p:childTnLst>
+                                </p:cTn>
+                              </p:par>
+                            </p:childTnLst>
+                          </p:cTn>
+                        </p:par>
+                      </p:childTnLst>
+                    </p:cTn>
+                  </p:par>
+                </p:childTnLst>
+              </p:cTn>
+              <p:nextCondLst>
+                <p:cond evt="onClick" delay="0">
+                  <p:tgtEl>
+                    <p:spTgt spid="7"/>
+                  </p:tgtEl>
+                </p:cond>
+              </p:nextCondLst>
+            </p:seq>
+          </p:childTnLst>
+        </p:cTn>
+      </p:par>
+    </p:tnLst>
+  </p:timing>
 </p:sld>
 </file>
 

--- a/Final Project/Final_Project_WenZhe_YanZhang.pptx
+++ b/Final Project/Final_Project_WenZhe_YanZhang.pptx
@@ -4,18 +4,22 @@
   <p:sldMasterIdLst>
     <p:sldMasterId id="2147483806" r:id="rId1"/>
   </p:sldMasterIdLst>
+  <p:notesMasterIdLst>
+    <p:notesMasterId r:id="rId14"/>
+  </p:notesMasterIdLst>
   <p:sldIdLst>
     <p:sldId id="256" r:id="rId2"/>
     <p:sldId id="257" r:id="rId3"/>
     <p:sldId id="258" r:id="rId4"/>
     <p:sldId id="259" r:id="rId5"/>
     <p:sldId id="260" r:id="rId6"/>
-    <p:sldId id="262" r:id="rId7"/>
-    <p:sldId id="265" r:id="rId8"/>
-    <p:sldId id="261" r:id="rId9"/>
-    <p:sldId id="263" r:id="rId10"/>
-    <p:sldId id="266" r:id="rId11"/>
-    <p:sldId id="264" r:id="rId12"/>
+    <p:sldId id="267" r:id="rId7"/>
+    <p:sldId id="262" r:id="rId8"/>
+    <p:sldId id="265" r:id="rId9"/>
+    <p:sldId id="261" r:id="rId10"/>
+    <p:sldId id="263" r:id="rId11"/>
+    <p:sldId id="266" r:id="rId12"/>
+    <p:sldId id="264" r:id="rId13"/>
   </p:sldIdLst>
   <p:sldSz cx="12192000" cy="6858000"/>
   <p:notesSz cx="6858000" cy="9144000"/>
@@ -120,6 +124,523 @@
     </p:ext>
   </p:extLst>
 </p:presentation>
+</file>
+
+<file path=ppt/notesMasters/notesMaster1.xml><?xml version="1.0" encoding="utf-8"?>
+<p:notesMaster xmlns:a="http://schemas.openxmlformats.org/drawingml/2006/main" xmlns:r="http://schemas.openxmlformats.org/officeDocument/2006/relationships" xmlns:p="http://schemas.openxmlformats.org/presentationml/2006/main">
+  <p:cSld>
+    <p:bg>
+      <p:bgRef idx="1001">
+        <a:schemeClr val="bg1"/>
+      </p:bgRef>
+    </p:bg>
+    <p:spTree>
+      <p:nvGrpSpPr>
+        <p:cNvPr id="1" name=""/>
+        <p:cNvGrpSpPr/>
+        <p:nvPr/>
+      </p:nvGrpSpPr>
+      <p:grpSpPr>
+        <a:xfrm>
+          <a:off x="0" y="0"/>
+          <a:ext cx="0" cy="0"/>
+          <a:chOff x="0" y="0"/>
+          <a:chExt cx="0" cy="0"/>
+        </a:xfrm>
+      </p:grpSpPr>
+      <p:sp>
+        <p:nvSpPr>
+          <p:cNvPr id="2" name="Header Placeholder 1"/>
+          <p:cNvSpPr>
+            <a:spLocks noGrp="1"/>
+          </p:cNvSpPr>
+          <p:nvPr>
+            <p:ph type="hdr" sz="quarter"/>
+          </p:nvPr>
+        </p:nvSpPr>
+        <p:spPr>
+          <a:xfrm>
+            <a:off x="0" y="0"/>
+            <a:ext cx="2971800" cy="458788"/>
+          </a:xfrm>
+          <a:prstGeom prst="rect">
+            <a:avLst/>
+          </a:prstGeom>
+        </p:spPr>
+        <p:txBody>
+          <a:bodyPr vert="horz" lIns="91440" tIns="45720" rIns="91440" bIns="45720" rtlCol="0"/>
+          <a:lstStyle>
+            <a:lvl1pPr algn="l">
+              <a:defRPr sz="1200"/>
+            </a:lvl1pPr>
+          </a:lstStyle>
+          <a:p>
+            <a:endParaRPr lang="en-US"/>
+          </a:p>
+        </p:txBody>
+      </p:sp>
+      <p:sp>
+        <p:nvSpPr>
+          <p:cNvPr id="3" name="Date Placeholder 2"/>
+          <p:cNvSpPr>
+            <a:spLocks noGrp="1"/>
+          </p:cNvSpPr>
+          <p:nvPr>
+            <p:ph type="dt" idx="1"/>
+          </p:nvPr>
+        </p:nvSpPr>
+        <p:spPr>
+          <a:xfrm>
+            <a:off x="3884613" y="0"/>
+            <a:ext cx="2971800" cy="458788"/>
+          </a:xfrm>
+          <a:prstGeom prst="rect">
+            <a:avLst/>
+          </a:prstGeom>
+        </p:spPr>
+        <p:txBody>
+          <a:bodyPr vert="horz" lIns="91440" tIns="45720" rIns="91440" bIns="45720" rtlCol="0"/>
+          <a:lstStyle>
+            <a:lvl1pPr algn="r">
+              <a:defRPr sz="1200"/>
+            </a:lvl1pPr>
+          </a:lstStyle>
+          <a:p>
+            <a:fld id="{1CB5717F-651F-4321-A3BC-CA59AA5D313B}" type="datetimeFigureOut">
+              <a:rPr lang="en-US" smtClean="0"/>
+              <a:t>12/2/2019</a:t>
+            </a:fld>
+            <a:endParaRPr lang="en-US"/>
+          </a:p>
+        </p:txBody>
+      </p:sp>
+      <p:sp>
+        <p:nvSpPr>
+          <p:cNvPr id="4" name="Slide Image Placeholder 3"/>
+          <p:cNvSpPr>
+            <a:spLocks noGrp="1" noRot="1" noChangeAspect="1"/>
+          </p:cNvSpPr>
+          <p:nvPr>
+            <p:ph type="sldImg" idx="2"/>
+          </p:nvPr>
+        </p:nvSpPr>
+        <p:spPr>
+          <a:xfrm>
+            <a:off x="685800" y="1143000"/>
+            <a:ext cx="5486400" cy="3086100"/>
+          </a:xfrm>
+          <a:prstGeom prst="rect">
+            <a:avLst/>
+          </a:prstGeom>
+          <a:noFill/>
+          <a:ln w="12700">
+            <a:solidFill>
+              <a:prstClr val="black"/>
+            </a:solidFill>
+          </a:ln>
+        </p:spPr>
+        <p:txBody>
+          <a:bodyPr vert="horz" lIns="91440" tIns="45720" rIns="91440" bIns="45720" rtlCol="0" anchor="ctr"/>
+          <a:lstStyle/>
+          <a:p>
+            <a:endParaRPr lang="en-US"/>
+          </a:p>
+        </p:txBody>
+      </p:sp>
+      <p:sp>
+        <p:nvSpPr>
+          <p:cNvPr id="5" name="Notes Placeholder 4"/>
+          <p:cNvSpPr>
+            <a:spLocks noGrp="1"/>
+          </p:cNvSpPr>
+          <p:nvPr>
+            <p:ph type="body" sz="quarter" idx="3"/>
+          </p:nvPr>
+        </p:nvSpPr>
+        <p:spPr>
+          <a:xfrm>
+            <a:off x="685800" y="4400550"/>
+            <a:ext cx="5486400" cy="3600450"/>
+          </a:xfrm>
+          <a:prstGeom prst="rect">
+            <a:avLst/>
+          </a:prstGeom>
+        </p:spPr>
+        <p:txBody>
+          <a:bodyPr vert="horz" lIns="91440" tIns="45720" rIns="91440" bIns="45720" rtlCol="0"/>
+          <a:lstStyle/>
+          <a:p>
+            <a:pPr lvl="0"/>
+            <a:r>
+              <a:rPr lang="en-US"/>
+              <a:t>Click to edit Master text styles</a:t>
+            </a:r>
+          </a:p>
+          <a:p>
+            <a:pPr lvl="1"/>
+            <a:r>
+              <a:rPr lang="en-US"/>
+              <a:t>Second level</a:t>
+            </a:r>
+          </a:p>
+          <a:p>
+            <a:pPr lvl="2"/>
+            <a:r>
+              <a:rPr lang="en-US"/>
+              <a:t>Third level</a:t>
+            </a:r>
+          </a:p>
+          <a:p>
+            <a:pPr lvl="3"/>
+            <a:r>
+              <a:rPr lang="en-US"/>
+              <a:t>Fourth level</a:t>
+            </a:r>
+          </a:p>
+          <a:p>
+            <a:pPr lvl="4"/>
+            <a:r>
+              <a:rPr lang="en-US"/>
+              <a:t>Fifth level</a:t>
+            </a:r>
+          </a:p>
+        </p:txBody>
+      </p:sp>
+      <p:sp>
+        <p:nvSpPr>
+          <p:cNvPr id="6" name="Footer Placeholder 5"/>
+          <p:cNvSpPr>
+            <a:spLocks noGrp="1"/>
+          </p:cNvSpPr>
+          <p:nvPr>
+            <p:ph type="ftr" sz="quarter" idx="4"/>
+          </p:nvPr>
+        </p:nvSpPr>
+        <p:spPr>
+          <a:xfrm>
+            <a:off x="0" y="8685213"/>
+            <a:ext cx="2971800" cy="458787"/>
+          </a:xfrm>
+          <a:prstGeom prst="rect">
+            <a:avLst/>
+          </a:prstGeom>
+        </p:spPr>
+        <p:txBody>
+          <a:bodyPr vert="horz" lIns="91440" tIns="45720" rIns="91440" bIns="45720" rtlCol="0" anchor="b"/>
+          <a:lstStyle>
+            <a:lvl1pPr algn="l">
+              <a:defRPr sz="1200"/>
+            </a:lvl1pPr>
+          </a:lstStyle>
+          <a:p>
+            <a:endParaRPr lang="en-US"/>
+          </a:p>
+        </p:txBody>
+      </p:sp>
+      <p:sp>
+        <p:nvSpPr>
+          <p:cNvPr id="7" name="Slide Number Placeholder 6"/>
+          <p:cNvSpPr>
+            <a:spLocks noGrp="1"/>
+          </p:cNvSpPr>
+          <p:nvPr>
+            <p:ph type="sldNum" sz="quarter" idx="5"/>
+          </p:nvPr>
+        </p:nvSpPr>
+        <p:spPr>
+          <a:xfrm>
+            <a:off x="3884613" y="8685213"/>
+            <a:ext cx="2971800" cy="458787"/>
+          </a:xfrm>
+          <a:prstGeom prst="rect">
+            <a:avLst/>
+          </a:prstGeom>
+        </p:spPr>
+        <p:txBody>
+          <a:bodyPr vert="horz" lIns="91440" tIns="45720" rIns="91440" bIns="45720" rtlCol="0" anchor="b"/>
+          <a:lstStyle>
+            <a:lvl1pPr algn="r">
+              <a:defRPr sz="1200"/>
+            </a:lvl1pPr>
+          </a:lstStyle>
+          <a:p>
+            <a:fld id="{49CBE7CB-FE7E-4E2D-8BD0-9E38A1E61975}" type="slidenum">
+              <a:rPr lang="en-US" smtClean="0"/>
+              <a:t>‹#›</a:t>
+            </a:fld>
+            <a:endParaRPr lang="en-US"/>
+          </a:p>
+        </p:txBody>
+      </p:sp>
+    </p:spTree>
+    <p:extLst>
+      <p:ext uri="{BB962C8B-B14F-4D97-AF65-F5344CB8AC3E}">
+        <p14:creationId xmlns:p14="http://schemas.microsoft.com/office/powerpoint/2010/main" val="4117462638"/>
+      </p:ext>
+    </p:extLst>
+  </p:cSld>
+  <p:clrMap bg1="lt1" tx1="dk1" bg2="lt2" tx2="dk2" accent1="accent1" accent2="accent2" accent3="accent3" accent4="accent4" accent5="accent5" accent6="accent6" hlink="hlink" folHlink="folHlink"/>
+  <p:notesStyle>
+    <a:lvl1pPr marL="0" algn="l" defTabSz="914400" rtl="0" eaLnBrk="1" latinLnBrk="0" hangingPunct="1">
+      <a:defRPr sz="1200" kern="1200">
+        <a:solidFill>
+          <a:schemeClr val="tx1"/>
+        </a:solidFill>
+        <a:latin typeface="+mn-lt"/>
+        <a:ea typeface="+mn-ea"/>
+        <a:cs typeface="+mn-cs"/>
+      </a:defRPr>
+    </a:lvl1pPr>
+    <a:lvl2pPr marL="457200" algn="l" defTabSz="914400" rtl="0" eaLnBrk="1" latinLnBrk="0" hangingPunct="1">
+      <a:defRPr sz="1200" kern="1200">
+        <a:solidFill>
+          <a:schemeClr val="tx1"/>
+        </a:solidFill>
+        <a:latin typeface="+mn-lt"/>
+        <a:ea typeface="+mn-ea"/>
+        <a:cs typeface="+mn-cs"/>
+      </a:defRPr>
+    </a:lvl2pPr>
+    <a:lvl3pPr marL="914400" algn="l" defTabSz="914400" rtl="0" eaLnBrk="1" latinLnBrk="0" hangingPunct="1">
+      <a:defRPr sz="1200" kern="1200">
+        <a:solidFill>
+          <a:schemeClr val="tx1"/>
+        </a:solidFill>
+        <a:latin typeface="+mn-lt"/>
+        <a:ea typeface="+mn-ea"/>
+        <a:cs typeface="+mn-cs"/>
+      </a:defRPr>
+    </a:lvl3pPr>
+    <a:lvl4pPr marL="1371600" algn="l" defTabSz="914400" rtl="0" eaLnBrk="1" latinLnBrk="0" hangingPunct="1">
+      <a:defRPr sz="1200" kern="1200">
+        <a:solidFill>
+          <a:schemeClr val="tx1"/>
+        </a:solidFill>
+        <a:latin typeface="+mn-lt"/>
+        <a:ea typeface="+mn-ea"/>
+        <a:cs typeface="+mn-cs"/>
+      </a:defRPr>
+    </a:lvl4pPr>
+    <a:lvl5pPr marL="1828800" algn="l" defTabSz="914400" rtl="0" eaLnBrk="1" latinLnBrk="0" hangingPunct="1">
+      <a:defRPr sz="1200" kern="1200">
+        <a:solidFill>
+          <a:schemeClr val="tx1"/>
+        </a:solidFill>
+        <a:latin typeface="+mn-lt"/>
+        <a:ea typeface="+mn-ea"/>
+        <a:cs typeface="+mn-cs"/>
+      </a:defRPr>
+    </a:lvl5pPr>
+    <a:lvl6pPr marL="2286000" algn="l" defTabSz="914400" rtl="0" eaLnBrk="1" latinLnBrk="0" hangingPunct="1">
+      <a:defRPr sz="1200" kern="1200">
+        <a:solidFill>
+          <a:schemeClr val="tx1"/>
+        </a:solidFill>
+        <a:latin typeface="+mn-lt"/>
+        <a:ea typeface="+mn-ea"/>
+        <a:cs typeface="+mn-cs"/>
+      </a:defRPr>
+    </a:lvl6pPr>
+    <a:lvl7pPr marL="2743200" algn="l" defTabSz="914400" rtl="0" eaLnBrk="1" latinLnBrk="0" hangingPunct="1">
+      <a:defRPr sz="1200" kern="1200">
+        <a:solidFill>
+          <a:schemeClr val="tx1"/>
+        </a:solidFill>
+        <a:latin typeface="+mn-lt"/>
+        <a:ea typeface="+mn-ea"/>
+        <a:cs typeface="+mn-cs"/>
+      </a:defRPr>
+    </a:lvl7pPr>
+    <a:lvl8pPr marL="3200400" algn="l" defTabSz="914400" rtl="0" eaLnBrk="1" latinLnBrk="0" hangingPunct="1">
+      <a:defRPr sz="1200" kern="1200">
+        <a:solidFill>
+          <a:schemeClr val="tx1"/>
+        </a:solidFill>
+        <a:latin typeface="+mn-lt"/>
+        <a:ea typeface="+mn-ea"/>
+        <a:cs typeface="+mn-cs"/>
+      </a:defRPr>
+    </a:lvl8pPr>
+    <a:lvl9pPr marL="3657600" algn="l" defTabSz="914400" rtl="0" eaLnBrk="1" latinLnBrk="0" hangingPunct="1">
+      <a:defRPr sz="1200" kern="1200">
+        <a:solidFill>
+          <a:schemeClr val="tx1"/>
+        </a:solidFill>
+        <a:latin typeface="+mn-lt"/>
+        <a:ea typeface="+mn-ea"/>
+        <a:cs typeface="+mn-cs"/>
+      </a:defRPr>
+    </a:lvl9pPr>
+  </p:notesStyle>
+</p:notesMaster>
+</file>
+
+<file path=ppt/notesSlides/notesSlide1.xml><?xml version="1.0" encoding="utf-8"?>
+<p:notes xmlns:a="http://schemas.openxmlformats.org/drawingml/2006/main" xmlns:r="http://schemas.openxmlformats.org/officeDocument/2006/relationships" xmlns:p="http://schemas.openxmlformats.org/presentationml/2006/main">
+  <p:cSld>
+    <p:spTree>
+      <p:nvGrpSpPr>
+        <p:cNvPr id="1" name=""/>
+        <p:cNvGrpSpPr/>
+        <p:nvPr/>
+      </p:nvGrpSpPr>
+      <p:grpSpPr>
+        <a:xfrm>
+          <a:off x="0" y="0"/>
+          <a:ext cx="0" cy="0"/>
+          <a:chOff x="0" y="0"/>
+          <a:chExt cx="0" cy="0"/>
+        </a:xfrm>
+      </p:grpSpPr>
+      <p:sp>
+        <p:nvSpPr>
+          <p:cNvPr id="2" name="Slide Image Placeholder 1"/>
+          <p:cNvSpPr>
+            <a:spLocks noGrp="1" noRot="1" noChangeAspect="1"/>
+          </p:cNvSpPr>
+          <p:nvPr>
+            <p:ph type="sldImg"/>
+          </p:nvPr>
+        </p:nvSpPr>
+        <p:spPr/>
+      </p:sp>
+      <p:sp>
+        <p:nvSpPr>
+          <p:cNvPr id="3" name="Notes Placeholder 2"/>
+          <p:cNvSpPr>
+            <a:spLocks noGrp="1"/>
+          </p:cNvSpPr>
+          <p:nvPr>
+            <p:ph type="body" idx="1"/>
+          </p:nvPr>
+        </p:nvSpPr>
+        <p:spPr/>
+        <p:txBody>
+          <a:bodyPr/>
+          <a:lstStyle/>
+          <a:p>
+            <a:endParaRPr lang="en-US" dirty="0"/>
+          </a:p>
+        </p:txBody>
+      </p:sp>
+      <p:sp>
+        <p:nvSpPr>
+          <p:cNvPr id="4" name="Slide Number Placeholder 3"/>
+          <p:cNvSpPr>
+            <a:spLocks noGrp="1"/>
+          </p:cNvSpPr>
+          <p:nvPr>
+            <p:ph type="sldNum" sz="quarter" idx="5"/>
+          </p:nvPr>
+        </p:nvSpPr>
+        <p:spPr/>
+        <p:txBody>
+          <a:bodyPr/>
+          <a:lstStyle/>
+          <a:p>
+            <a:fld id="{49CBE7CB-FE7E-4E2D-8BD0-9E38A1E61975}" type="slidenum">
+              <a:rPr lang="en-US" smtClean="0"/>
+              <a:t>5</a:t>
+            </a:fld>
+            <a:endParaRPr lang="en-US"/>
+          </a:p>
+        </p:txBody>
+      </p:sp>
+    </p:spTree>
+    <p:extLst>
+      <p:ext uri="{BB962C8B-B14F-4D97-AF65-F5344CB8AC3E}">
+        <p14:creationId xmlns:p14="http://schemas.microsoft.com/office/powerpoint/2010/main" val="2808486447"/>
+      </p:ext>
+    </p:extLst>
+  </p:cSld>
+  <p:clrMapOvr>
+    <a:masterClrMapping/>
+  </p:clrMapOvr>
+</p:notes>
+</file>
+
+<file path=ppt/notesSlides/notesSlide2.xml><?xml version="1.0" encoding="utf-8"?>
+<p:notes xmlns:a="http://schemas.openxmlformats.org/drawingml/2006/main" xmlns:r="http://schemas.openxmlformats.org/officeDocument/2006/relationships" xmlns:p="http://schemas.openxmlformats.org/presentationml/2006/main">
+  <p:cSld>
+    <p:spTree>
+      <p:nvGrpSpPr>
+        <p:cNvPr id="1" name=""/>
+        <p:cNvGrpSpPr/>
+        <p:nvPr/>
+      </p:nvGrpSpPr>
+      <p:grpSpPr>
+        <a:xfrm>
+          <a:off x="0" y="0"/>
+          <a:ext cx="0" cy="0"/>
+          <a:chOff x="0" y="0"/>
+          <a:chExt cx="0" cy="0"/>
+        </a:xfrm>
+      </p:grpSpPr>
+      <p:sp>
+        <p:nvSpPr>
+          <p:cNvPr id="2" name="Slide Image Placeholder 1"/>
+          <p:cNvSpPr>
+            <a:spLocks noGrp="1" noRot="1" noChangeAspect="1"/>
+          </p:cNvSpPr>
+          <p:nvPr>
+            <p:ph type="sldImg"/>
+          </p:nvPr>
+        </p:nvSpPr>
+        <p:spPr/>
+      </p:sp>
+      <p:sp>
+        <p:nvSpPr>
+          <p:cNvPr id="3" name="Notes Placeholder 2"/>
+          <p:cNvSpPr>
+            <a:spLocks noGrp="1"/>
+          </p:cNvSpPr>
+          <p:nvPr>
+            <p:ph type="body" idx="1"/>
+          </p:nvPr>
+        </p:nvSpPr>
+        <p:spPr/>
+        <p:txBody>
+          <a:bodyPr/>
+          <a:lstStyle/>
+          <a:p>
+            <a:endParaRPr lang="en-US" dirty="0"/>
+          </a:p>
+        </p:txBody>
+      </p:sp>
+      <p:sp>
+        <p:nvSpPr>
+          <p:cNvPr id="4" name="Slide Number Placeholder 3"/>
+          <p:cNvSpPr>
+            <a:spLocks noGrp="1"/>
+          </p:cNvSpPr>
+          <p:nvPr>
+            <p:ph type="sldNum" sz="quarter" idx="5"/>
+          </p:nvPr>
+        </p:nvSpPr>
+        <p:spPr/>
+        <p:txBody>
+          <a:bodyPr/>
+          <a:lstStyle/>
+          <a:p>
+            <a:fld id="{49CBE7CB-FE7E-4E2D-8BD0-9E38A1E61975}" type="slidenum">
+              <a:rPr lang="en-US" smtClean="0"/>
+              <a:t>7</a:t>
+            </a:fld>
+            <a:endParaRPr lang="en-US"/>
+          </a:p>
+        </p:txBody>
+      </p:sp>
+    </p:spTree>
+    <p:extLst>
+      <p:ext uri="{BB962C8B-B14F-4D97-AF65-F5344CB8AC3E}">
+        <p14:creationId xmlns:p14="http://schemas.microsoft.com/office/powerpoint/2010/main" val="3027032956"/>
+      </p:ext>
+    </p:extLst>
+  </p:cSld>
+  <p:clrMapOvr>
+    <a:masterClrMapping/>
+  </p:clrMapOvr>
+</p:notes>
 </file>
 
 <file path=ppt/slideLayouts/slideLayout1.xml><?xml version="1.0" encoding="utf-8"?>
@@ -3154,1262 +3675,6 @@
           <p:cNvPr id="2" name="Title 1">
             <a:extLst>
               <a:ext uri="{FF2B5EF4-FFF2-40B4-BE49-F238E27FC236}">
-                <a16:creationId xmlns:a16="http://schemas.microsoft.com/office/drawing/2014/main" id="{4CC6B98F-9EE0-5B47-BE07-B65F97D8C08F}"/>
-              </a:ext>
-            </a:extLst>
-          </p:cNvPr>
-          <p:cNvSpPr>
-            <a:spLocks noGrp="1"/>
-          </p:cNvSpPr>
-          <p:nvPr>
-            <p:ph type="title"/>
-          </p:nvPr>
-        </p:nvSpPr>
-        <p:spPr/>
-        <p:txBody>
-          <a:bodyPr/>
-          <a:lstStyle/>
-          <a:p>
-            <a:r>
-              <a:rPr lang="en-US" dirty="0"/>
-              <a:t>Result: The role of leaders</a:t>
-            </a:r>
-          </a:p>
-        </p:txBody>
-      </p:sp>
-      <p:pic>
-        <p:nvPicPr>
-          <p:cNvPr id="4" name="final_5de58cb1a27d220013fc703e_764187">
-            <a:hlinkClick r:id="" action="ppaction://media"/>
-            <a:extLst>
-              <a:ext uri="{FF2B5EF4-FFF2-40B4-BE49-F238E27FC236}">
-                <a16:creationId xmlns:a16="http://schemas.microsoft.com/office/drawing/2014/main" id="{314F1D67-2579-4EF4-BE34-CF4DCE2D9E98}"/>
-              </a:ext>
-            </a:extLst>
-          </p:cNvPr>
-          <p:cNvPicPr>
-            <a:picLocks noGrp="1" noChangeAspect="1"/>
-          </p:cNvPicPr>
-          <p:nvPr>
-            <p:ph idx="1"/>
-            <a:videoFile r:link="rId2"/>
-            <p:extLst>
-              <p:ext uri="{DAA4B4D4-6D71-4841-9C94-3DE7FCFB9230}">
-                <p14:media xmlns:p14="http://schemas.microsoft.com/office/powerpoint/2010/main" r:embed="rId1"/>
-              </p:ext>
-            </p:extLst>
-          </p:nvPr>
-        </p:nvPicPr>
-        <p:blipFill>
-          <a:blip r:embed="rId4"/>
-          <a:stretch>
-            <a:fillRect/>
-          </a:stretch>
-        </p:blipFill>
-        <p:spPr>
-          <a:xfrm>
-            <a:off x="4203700" y="1825625"/>
-            <a:ext cx="3783013" cy="4351338"/>
-          </a:xfrm>
-        </p:spPr>
-      </p:pic>
-    </p:spTree>
-    <p:extLst>
-      <p:ext uri="{BB962C8B-B14F-4D97-AF65-F5344CB8AC3E}">
-        <p14:creationId xmlns:p14="http://schemas.microsoft.com/office/powerpoint/2010/main" val="346028647"/>
-      </p:ext>
-    </p:extLst>
-  </p:cSld>
-  <p:clrMapOvr>
-    <a:masterClrMapping/>
-  </p:clrMapOvr>
-  <p:timing>
-    <p:tnLst>
-      <p:par>
-        <p:cTn id="1" dur="indefinite" restart="never" nodeType="tmRoot">
-          <p:childTnLst>
-            <p:seq concurrent="1" nextAc="seek">
-              <p:cTn id="2" dur="indefinite" nodeType="mainSeq">
-                <p:childTnLst>
-                  <p:par>
-                    <p:cTn id="3" fill="hold">
-                      <p:stCondLst>
-                        <p:cond delay="indefinite"/>
-                      </p:stCondLst>
-                      <p:childTnLst>
-                        <p:par>
-                          <p:cTn id="4" fill="hold">
-                            <p:stCondLst>
-                              <p:cond delay="0"/>
-                            </p:stCondLst>
-                            <p:childTnLst>
-                              <p:par>
-                                <p:cTn id="5" presetID="1" presetClass="mediacall" presetSubtype="0" fill="hold" nodeType="clickEffect">
-                                  <p:stCondLst>
-                                    <p:cond delay="0"/>
-                                  </p:stCondLst>
-                                  <p:childTnLst>
-                                    <p:cmd type="call" cmd="playFrom(0.0)">
-                                      <p:cBhvr>
-                                        <p:cTn id="6" dur="15383" fill="hold"/>
-                                        <p:tgtEl>
-                                          <p:spTgt spid="4"/>
-                                        </p:tgtEl>
-                                      </p:cBhvr>
-                                    </p:cmd>
-                                  </p:childTnLst>
-                                </p:cTn>
-                              </p:par>
-                            </p:childTnLst>
-                          </p:cTn>
-                        </p:par>
-                      </p:childTnLst>
-                    </p:cTn>
-                  </p:par>
-                </p:childTnLst>
-              </p:cTn>
-              <p:prevCondLst>
-                <p:cond evt="onPrev" delay="0">
-                  <p:tgtEl>
-                    <p:sldTgt/>
-                  </p:tgtEl>
-                </p:cond>
-              </p:prevCondLst>
-              <p:nextCondLst>
-                <p:cond evt="onNext" delay="0">
-                  <p:tgtEl>
-                    <p:sldTgt/>
-                  </p:tgtEl>
-                </p:cond>
-              </p:nextCondLst>
-            </p:seq>
-            <p:video>
-              <p:cMediaNode vol="80000">
-                <p:cTn id="7" fill="hold" display="0">
-                  <p:stCondLst>
-                    <p:cond delay="indefinite"/>
-                  </p:stCondLst>
-                </p:cTn>
-                <p:tgtEl>
-                  <p:spTgt spid="4"/>
-                </p:tgtEl>
-              </p:cMediaNode>
-            </p:video>
-            <p:seq concurrent="1" nextAc="seek">
-              <p:cTn id="8" restart="whenNotActive" fill="hold" evtFilter="cancelBubble" nodeType="interactiveSeq">
-                <p:stCondLst>
-                  <p:cond evt="onClick" delay="0">
-                    <p:tgtEl>
-                      <p:spTgt spid="4"/>
-                    </p:tgtEl>
-                  </p:cond>
-                </p:stCondLst>
-                <p:endSync evt="end" delay="0">
-                  <p:rtn val="all"/>
-                </p:endSync>
-                <p:childTnLst>
-                  <p:par>
-                    <p:cTn id="9" fill="hold">
-                      <p:stCondLst>
-                        <p:cond delay="0"/>
-                      </p:stCondLst>
-                      <p:childTnLst>
-                        <p:par>
-                          <p:cTn id="10" fill="hold">
-                            <p:stCondLst>
-                              <p:cond delay="0"/>
-                            </p:stCondLst>
-                            <p:childTnLst>
-                              <p:par>
-                                <p:cTn id="11" presetID="2" presetClass="mediacall" presetSubtype="0" fill="hold" nodeType="clickEffect">
-                                  <p:stCondLst>
-                                    <p:cond delay="0"/>
-                                  </p:stCondLst>
-                                  <p:childTnLst>
-                                    <p:cmd type="call" cmd="togglePause">
-                                      <p:cBhvr>
-                                        <p:cTn id="12" dur="1" fill="hold"/>
-                                        <p:tgtEl>
-                                          <p:spTgt spid="4"/>
-                                        </p:tgtEl>
-                                      </p:cBhvr>
-                                    </p:cmd>
-                                  </p:childTnLst>
-                                </p:cTn>
-                              </p:par>
-                            </p:childTnLst>
-                          </p:cTn>
-                        </p:par>
-                      </p:childTnLst>
-                    </p:cTn>
-                  </p:par>
-                </p:childTnLst>
-              </p:cTn>
-              <p:nextCondLst>
-                <p:cond evt="onClick" delay="0">
-                  <p:tgtEl>
-                    <p:spTgt spid="4"/>
-                  </p:tgtEl>
-                </p:cond>
-              </p:nextCondLst>
-            </p:seq>
-          </p:childTnLst>
-        </p:cTn>
-      </p:par>
-    </p:tnLst>
-  </p:timing>
-</p:sld>
-</file>
-
-<file path=ppt/slides/slide11.xml><?xml version="1.0" encoding="utf-8"?>
-<p:sld xmlns:a="http://schemas.openxmlformats.org/drawingml/2006/main" xmlns:r="http://schemas.openxmlformats.org/officeDocument/2006/relationships" xmlns:p="http://schemas.openxmlformats.org/presentationml/2006/main">
-  <p:cSld>
-    <p:spTree>
-      <p:nvGrpSpPr>
-        <p:cNvPr id="1" name=""/>
-        <p:cNvGrpSpPr/>
-        <p:nvPr/>
-      </p:nvGrpSpPr>
-      <p:grpSpPr>
-        <a:xfrm>
-          <a:off x="0" y="0"/>
-          <a:ext cx="0" cy="0"/>
-          <a:chOff x="0" y="0"/>
-          <a:chExt cx="0" cy="0"/>
-        </a:xfrm>
-      </p:grpSpPr>
-      <p:sp>
-        <p:nvSpPr>
-          <p:cNvPr id="2" name="Title 1">
-            <a:extLst>
-              <a:ext uri="{FF2B5EF4-FFF2-40B4-BE49-F238E27FC236}">
-                <a16:creationId xmlns:a16="http://schemas.microsoft.com/office/drawing/2014/main" id="{79BFF349-D1EB-E545-BCB6-1902657A2EDE}"/>
-              </a:ext>
-            </a:extLst>
-          </p:cNvPr>
-          <p:cNvSpPr>
-            <a:spLocks noGrp="1"/>
-          </p:cNvSpPr>
-          <p:nvPr>
-            <p:ph type="title"/>
-          </p:nvPr>
-        </p:nvSpPr>
-        <p:spPr/>
-        <p:txBody>
-          <a:bodyPr/>
-          <a:lstStyle/>
-          <a:p>
-            <a:r>
-              <a:rPr lang="en-US" dirty="0"/>
-              <a:t>Future Work</a:t>
-            </a:r>
-          </a:p>
-        </p:txBody>
-      </p:sp>
-      <p:sp>
-        <p:nvSpPr>
-          <p:cNvPr id="3" name="Content Placeholder 2">
-            <a:extLst>
-              <a:ext uri="{FF2B5EF4-FFF2-40B4-BE49-F238E27FC236}">
-                <a16:creationId xmlns:a16="http://schemas.microsoft.com/office/drawing/2014/main" id="{ECF7C14C-D09C-F94F-B166-82EFA7FFE093}"/>
-              </a:ext>
-            </a:extLst>
-          </p:cNvPr>
-          <p:cNvSpPr>
-            <a:spLocks noGrp="1"/>
-          </p:cNvSpPr>
-          <p:nvPr>
-            <p:ph idx="1"/>
-          </p:nvPr>
-        </p:nvSpPr>
-        <p:spPr/>
-        <p:txBody>
-          <a:bodyPr/>
-          <a:lstStyle/>
-          <a:p>
-            <a:r>
-              <a:rPr lang="en-US" dirty="0"/>
-              <a:t>1. How building design affects escape dynamics. </a:t>
-            </a:r>
-          </a:p>
-          <a:p>
-            <a:r>
-              <a:rPr lang="en-US" dirty="0"/>
-              <a:t>2. Compare different leader strategies.</a:t>
-            </a:r>
-          </a:p>
-        </p:txBody>
-      </p:sp>
-    </p:spTree>
-    <p:extLst>
-      <p:ext uri="{BB962C8B-B14F-4D97-AF65-F5344CB8AC3E}">
-        <p14:creationId xmlns:p14="http://schemas.microsoft.com/office/powerpoint/2010/main" val="3517608922"/>
-      </p:ext>
-    </p:extLst>
-  </p:cSld>
-  <p:clrMapOvr>
-    <a:masterClrMapping/>
-  </p:clrMapOvr>
-</p:sld>
-</file>
-
-<file path=ppt/slides/slide2.xml><?xml version="1.0" encoding="utf-8"?>
-<p:sld xmlns:a="http://schemas.openxmlformats.org/drawingml/2006/main" xmlns:r="http://schemas.openxmlformats.org/officeDocument/2006/relationships" xmlns:p="http://schemas.openxmlformats.org/presentationml/2006/main">
-  <p:cSld>
-    <p:spTree>
-      <p:nvGrpSpPr>
-        <p:cNvPr id="1" name=""/>
-        <p:cNvGrpSpPr/>
-        <p:nvPr/>
-      </p:nvGrpSpPr>
-      <p:grpSpPr>
-        <a:xfrm>
-          <a:off x="0" y="0"/>
-          <a:ext cx="0" cy="0"/>
-          <a:chOff x="0" y="0"/>
-          <a:chExt cx="0" cy="0"/>
-        </a:xfrm>
-      </p:grpSpPr>
-      <p:sp>
-        <p:nvSpPr>
-          <p:cNvPr id="2" name="Title 1">
-            <a:extLst>
-              <a:ext uri="{FF2B5EF4-FFF2-40B4-BE49-F238E27FC236}">
-                <a16:creationId xmlns:a16="http://schemas.microsoft.com/office/drawing/2014/main" id="{F4AC6CB0-240F-1844-8063-FBCB9CDEDA32}"/>
-              </a:ext>
-            </a:extLst>
-          </p:cNvPr>
-          <p:cNvSpPr>
-            <a:spLocks noGrp="1"/>
-          </p:cNvSpPr>
-          <p:nvPr>
-            <p:ph type="title"/>
-          </p:nvPr>
-        </p:nvSpPr>
-        <p:spPr/>
-        <p:txBody>
-          <a:bodyPr/>
-          <a:lstStyle/>
-          <a:p>
-            <a:r>
-              <a:rPr lang="en-US" dirty="0"/>
-              <a:t>Background and Research Question</a:t>
-            </a:r>
-          </a:p>
-        </p:txBody>
-      </p:sp>
-      <p:sp>
-        <p:nvSpPr>
-          <p:cNvPr id="3" name="Content Placeholder 2">
-            <a:extLst>
-              <a:ext uri="{FF2B5EF4-FFF2-40B4-BE49-F238E27FC236}">
-                <a16:creationId xmlns:a16="http://schemas.microsoft.com/office/drawing/2014/main" id="{90191369-A287-EF4C-AEF7-24BD134C0246}"/>
-              </a:ext>
-            </a:extLst>
-          </p:cNvPr>
-          <p:cNvSpPr>
-            <a:spLocks noGrp="1"/>
-          </p:cNvSpPr>
-          <p:nvPr>
-            <p:ph idx="1"/>
-          </p:nvPr>
-        </p:nvSpPr>
-        <p:spPr/>
-        <p:txBody>
-          <a:bodyPr/>
-          <a:lstStyle/>
-          <a:p>
-            <a:r>
-              <a:rPr lang="en-US" dirty="0"/>
-              <a:t>Background: </a:t>
-            </a:r>
-          </a:p>
-          <a:p>
-            <a:pPr marL="0" indent="0">
-              <a:buNone/>
-            </a:pPr>
-            <a:r>
-              <a:rPr lang="en-US" dirty="0"/>
-              <a:t>One of the most disastrous forms of collective human behavior is the kind of crowd stampede induced by panic [1].  In a room when emergency happens, the role of leader should be very important. </a:t>
-            </a:r>
-          </a:p>
-          <a:p>
-            <a:r>
-              <a:rPr lang="en-US" dirty="0"/>
-              <a:t>Our Research Question:</a:t>
-            </a:r>
-          </a:p>
-          <a:p>
-            <a:pPr marL="0" indent="0">
-              <a:buNone/>
-            </a:pPr>
-            <a:r>
-              <a:rPr lang="en-US" dirty="0"/>
-              <a:t>How does a leader make a difference? Specifically, in a smoky room filled by certain amount of people who are trying to escape from the room, will a leader help people escape ? </a:t>
-            </a:r>
-          </a:p>
-        </p:txBody>
-      </p:sp>
-    </p:spTree>
-    <p:extLst>
-      <p:ext uri="{BB962C8B-B14F-4D97-AF65-F5344CB8AC3E}">
-        <p14:creationId xmlns:p14="http://schemas.microsoft.com/office/powerpoint/2010/main" val="663829945"/>
-      </p:ext>
-    </p:extLst>
-  </p:cSld>
-  <p:clrMapOvr>
-    <a:masterClrMapping/>
-  </p:clrMapOvr>
-</p:sld>
-</file>
-
-<file path=ppt/slides/slide3.xml><?xml version="1.0" encoding="utf-8"?>
-<p:sld xmlns:a="http://schemas.openxmlformats.org/drawingml/2006/main" xmlns:r="http://schemas.openxmlformats.org/officeDocument/2006/relationships" xmlns:p="http://schemas.openxmlformats.org/presentationml/2006/main">
-  <p:cSld>
-    <p:spTree>
-      <p:nvGrpSpPr>
-        <p:cNvPr id="1" name=""/>
-        <p:cNvGrpSpPr/>
-        <p:nvPr/>
-      </p:nvGrpSpPr>
-      <p:grpSpPr>
-        <a:xfrm>
-          <a:off x="0" y="0"/>
-          <a:ext cx="0" cy="0"/>
-          <a:chOff x="0" y="0"/>
-          <a:chExt cx="0" cy="0"/>
-        </a:xfrm>
-      </p:grpSpPr>
-      <p:sp>
-        <p:nvSpPr>
-          <p:cNvPr id="2" name="Title 1">
-            <a:extLst>
-              <a:ext uri="{FF2B5EF4-FFF2-40B4-BE49-F238E27FC236}">
-                <a16:creationId xmlns:a16="http://schemas.microsoft.com/office/drawing/2014/main" id="{39DC7BE7-BE55-AF48-B873-F79B68697623}"/>
-              </a:ext>
-            </a:extLst>
-          </p:cNvPr>
-          <p:cNvSpPr>
-            <a:spLocks noGrp="1"/>
-          </p:cNvSpPr>
-          <p:nvPr>
-            <p:ph type="title"/>
-          </p:nvPr>
-        </p:nvSpPr>
-        <p:spPr/>
-        <p:txBody>
-          <a:bodyPr/>
-          <a:lstStyle/>
-          <a:p>
-            <a:r>
-              <a:rPr lang="en-US" dirty="0"/>
-              <a:t>Model: Agent-Based Social-Psychological Model</a:t>
-            </a:r>
-          </a:p>
-        </p:txBody>
-      </p:sp>
-      <p:sp>
-        <p:nvSpPr>
-          <p:cNvPr id="3" name="Content Placeholder 2">
-            <a:extLst>
-              <a:ext uri="{FF2B5EF4-FFF2-40B4-BE49-F238E27FC236}">
-                <a16:creationId xmlns:a16="http://schemas.microsoft.com/office/drawing/2014/main" id="{C96E2B37-48C2-5C4A-96B4-DC4664E6ACF1}"/>
-              </a:ext>
-            </a:extLst>
-          </p:cNvPr>
-          <p:cNvSpPr>
-            <a:spLocks noGrp="1"/>
-          </p:cNvSpPr>
-          <p:nvPr>
-            <p:ph idx="1"/>
-          </p:nvPr>
-        </p:nvSpPr>
-        <p:spPr/>
-        <p:txBody>
-          <a:bodyPr/>
-          <a:lstStyle/>
-          <a:p>
-            <a:endParaRPr lang="en-US" dirty="0"/>
-          </a:p>
-          <a:p>
-            <a:pPr marL="0" indent="0">
-              <a:buNone/>
-            </a:pPr>
-            <a:endParaRPr lang="en-US" dirty="0"/>
-          </a:p>
-          <a:p>
-            <a:r>
-              <a:rPr lang="en-US" dirty="0"/>
-              <a:t>Room(Environment): </a:t>
-            </a:r>
-          </a:p>
-          <a:p>
-            <a:pPr lvl="1"/>
-            <a:r>
-              <a:rPr lang="en-US" dirty="0"/>
-              <a:t>Size is 20m x 30m</a:t>
-            </a:r>
-          </a:p>
-          <a:p>
-            <a:pPr lvl="1"/>
-            <a:r>
-              <a:rPr lang="en-US" dirty="0"/>
-              <a:t>Single Exit</a:t>
-            </a:r>
-          </a:p>
-          <a:p>
-            <a:pPr lvl="1"/>
-            <a:r>
-              <a:rPr lang="en-US" dirty="0"/>
-              <a:t>Smoky </a:t>
-            </a:r>
-          </a:p>
-          <a:p>
-            <a:r>
-              <a:rPr lang="en-US" dirty="0"/>
-              <a:t>People(Agents):</a:t>
-            </a:r>
-          </a:p>
-          <a:p>
-            <a:pPr lvl="1"/>
-            <a:r>
-              <a:rPr lang="en-US" dirty="0"/>
-              <a:t>Each person is represented by a circle with certain radius. (0.25cm to 0.3cm) </a:t>
-            </a:r>
-          </a:p>
-          <a:p>
-            <a:pPr marL="0" indent="0">
-              <a:buNone/>
-            </a:pPr>
-            <a:endParaRPr lang="en-US" dirty="0"/>
-          </a:p>
-          <a:p>
-            <a:pPr lvl="1"/>
-            <a:endParaRPr lang="en-US" dirty="0"/>
-          </a:p>
-        </p:txBody>
-      </p:sp>
-      <p:pic>
-        <p:nvPicPr>
-          <p:cNvPr id="5" name="Picture 4" descr="A screenshot of a cell phone&#10;&#10;Description automatically generated">
-            <a:extLst>
-              <a:ext uri="{FF2B5EF4-FFF2-40B4-BE49-F238E27FC236}">
-                <a16:creationId xmlns:a16="http://schemas.microsoft.com/office/drawing/2014/main" id="{2FA75DF3-5811-364E-B7C5-74FD86B289F1}"/>
-              </a:ext>
-            </a:extLst>
-          </p:cNvPr>
-          <p:cNvPicPr>
-            <a:picLocks noChangeAspect="1"/>
-          </p:cNvPicPr>
-          <p:nvPr/>
-        </p:nvPicPr>
-        <p:blipFill>
-          <a:blip r:embed="rId2"/>
-          <a:stretch>
-            <a:fillRect/>
-          </a:stretch>
-        </p:blipFill>
-        <p:spPr>
-          <a:xfrm>
-            <a:off x="6664440" y="1556039"/>
-            <a:ext cx="4132126" cy="3223597"/>
-          </a:xfrm>
-          <a:prstGeom prst="rect">
-            <a:avLst/>
-          </a:prstGeom>
-        </p:spPr>
-      </p:pic>
-    </p:spTree>
-    <p:extLst>
-      <p:ext uri="{BB962C8B-B14F-4D97-AF65-F5344CB8AC3E}">
-        <p14:creationId xmlns:p14="http://schemas.microsoft.com/office/powerpoint/2010/main" val="1285210278"/>
-      </p:ext>
-    </p:extLst>
-  </p:cSld>
-  <p:clrMapOvr>
-    <a:masterClrMapping/>
-  </p:clrMapOvr>
-</p:sld>
-</file>
-
-<file path=ppt/slides/slide4.xml><?xml version="1.0" encoding="utf-8"?>
-<p:sld xmlns:a="http://schemas.openxmlformats.org/drawingml/2006/main" xmlns:r="http://schemas.openxmlformats.org/officeDocument/2006/relationships" xmlns:p="http://schemas.openxmlformats.org/presentationml/2006/main">
-  <p:cSld>
-    <p:spTree>
-      <p:nvGrpSpPr>
-        <p:cNvPr id="1" name=""/>
-        <p:cNvGrpSpPr/>
-        <p:nvPr/>
-      </p:nvGrpSpPr>
-      <p:grpSpPr>
-        <a:xfrm>
-          <a:off x="0" y="0"/>
-          <a:ext cx="0" cy="0"/>
-          <a:chOff x="0" y="0"/>
-          <a:chExt cx="0" cy="0"/>
-        </a:xfrm>
-      </p:grpSpPr>
-      <p:sp>
-        <p:nvSpPr>
-          <p:cNvPr id="2" name="Title 1">
-            <a:extLst>
-              <a:ext uri="{FF2B5EF4-FFF2-40B4-BE49-F238E27FC236}">
-                <a16:creationId xmlns:a16="http://schemas.microsoft.com/office/drawing/2014/main" id="{87E4ACE6-B754-D84B-BA88-AD41F6F3DCC4}"/>
-              </a:ext>
-            </a:extLst>
-          </p:cNvPr>
-          <p:cNvSpPr>
-            <a:spLocks noGrp="1"/>
-          </p:cNvSpPr>
-          <p:nvPr>
-            <p:ph type="title"/>
-          </p:nvPr>
-        </p:nvSpPr>
-        <p:spPr/>
-        <p:txBody>
-          <a:bodyPr/>
-          <a:lstStyle/>
-          <a:p>
-            <a:r>
-              <a:rPr lang="en-US" dirty="0"/>
-              <a:t>Model: Agent-Based Social-Psychological Model</a:t>
-            </a:r>
-          </a:p>
-        </p:txBody>
-      </p:sp>
-      <p:sp>
-        <p:nvSpPr>
-          <p:cNvPr id="3" name="Content Placeholder 2">
-            <a:extLst>
-              <a:ext uri="{FF2B5EF4-FFF2-40B4-BE49-F238E27FC236}">
-                <a16:creationId xmlns:a16="http://schemas.microsoft.com/office/drawing/2014/main" id="{1B17B36F-A5BB-EB43-A96C-9AEBBB015051}"/>
-              </a:ext>
-            </a:extLst>
-          </p:cNvPr>
-          <p:cNvSpPr>
-            <a:spLocks noGrp="1"/>
-          </p:cNvSpPr>
-          <p:nvPr>
-            <p:ph idx="1"/>
-          </p:nvPr>
-        </p:nvSpPr>
-        <p:spPr/>
-        <p:txBody>
-          <a:bodyPr/>
-          <a:lstStyle/>
-          <a:p>
-            <a:r>
-              <a:rPr lang="en-US" dirty="0"/>
-              <a:t>Dynamic of people movement  is modeled by Newton’s second law of motion. </a:t>
-            </a:r>
-          </a:p>
-          <a:p>
-            <a:r>
-              <a:rPr lang="en-US" dirty="0"/>
-              <a:t>The first term is the social-psychological force; it says that during an emergency situation, person </a:t>
-            </a:r>
-            <a:r>
-              <a:rPr lang="en-US" dirty="0" err="1"/>
-              <a:t>i</a:t>
-            </a:r>
-            <a:r>
-              <a:rPr lang="en-US" dirty="0"/>
-              <a:t> wants to move to a desired direction.</a:t>
-            </a:r>
-          </a:p>
-          <a:p>
-            <a:r>
-              <a:rPr lang="en-US" dirty="0"/>
-              <a:t>The second term is the sum of forces between any two people. </a:t>
-            </a:r>
-          </a:p>
-          <a:p>
-            <a:r>
-              <a:rPr lang="en-US" dirty="0"/>
-              <a:t>The third term is the sum of forces between a person and a wall.</a:t>
-            </a:r>
-          </a:p>
-          <a:p>
-            <a:pPr lvl="1"/>
-            <a:endParaRPr lang="en-US" dirty="0"/>
-          </a:p>
-        </p:txBody>
-      </p:sp>
-      <p:pic>
-        <p:nvPicPr>
-          <p:cNvPr id="5" name="Picture 4" descr="A picture containing clock&#10;&#10;Description automatically generated">
-            <a:extLst>
-              <a:ext uri="{FF2B5EF4-FFF2-40B4-BE49-F238E27FC236}">
-                <a16:creationId xmlns:a16="http://schemas.microsoft.com/office/drawing/2014/main" id="{E6464301-B353-504B-88F8-A1B3BCFBA2A6}"/>
-              </a:ext>
-            </a:extLst>
-          </p:cNvPr>
-          <p:cNvPicPr>
-            <a:picLocks noChangeAspect="1"/>
-          </p:cNvPicPr>
-          <p:nvPr/>
-        </p:nvPicPr>
-        <p:blipFill>
-          <a:blip r:embed="rId2"/>
-          <a:stretch>
-            <a:fillRect/>
-          </a:stretch>
-        </p:blipFill>
-        <p:spPr>
-          <a:xfrm>
-            <a:off x="1936750" y="4940300"/>
-            <a:ext cx="8318500" cy="1371600"/>
-          </a:xfrm>
-          <a:prstGeom prst="rect">
-            <a:avLst/>
-          </a:prstGeom>
-        </p:spPr>
-      </p:pic>
-    </p:spTree>
-    <p:extLst>
-      <p:ext uri="{BB962C8B-B14F-4D97-AF65-F5344CB8AC3E}">
-        <p14:creationId xmlns:p14="http://schemas.microsoft.com/office/powerpoint/2010/main" val="1871211983"/>
-      </p:ext>
-    </p:extLst>
-  </p:cSld>
-  <p:clrMapOvr>
-    <a:masterClrMapping/>
-  </p:clrMapOvr>
-</p:sld>
-</file>
-
-<file path=ppt/slides/slide5.xml><?xml version="1.0" encoding="utf-8"?>
-<p:sld xmlns:a="http://schemas.openxmlformats.org/drawingml/2006/main" xmlns:r="http://schemas.openxmlformats.org/officeDocument/2006/relationships" xmlns:p="http://schemas.openxmlformats.org/presentationml/2006/main">
-  <p:cSld>
-    <p:spTree>
-      <p:nvGrpSpPr>
-        <p:cNvPr id="1" name=""/>
-        <p:cNvGrpSpPr/>
-        <p:nvPr/>
-      </p:nvGrpSpPr>
-      <p:grpSpPr>
-        <a:xfrm>
-          <a:off x="0" y="0"/>
-          <a:ext cx="0" cy="0"/>
-          <a:chOff x="0" y="0"/>
-          <a:chExt cx="0" cy="0"/>
-        </a:xfrm>
-      </p:grpSpPr>
-      <p:sp>
-        <p:nvSpPr>
-          <p:cNvPr id="2" name="Title 1">
-            <a:extLst>
-              <a:ext uri="{FF2B5EF4-FFF2-40B4-BE49-F238E27FC236}">
-                <a16:creationId xmlns:a16="http://schemas.microsoft.com/office/drawing/2014/main" id="{A5108C18-0673-DE41-80FD-2171E8DABBAA}"/>
-              </a:ext>
-            </a:extLst>
-          </p:cNvPr>
-          <p:cNvSpPr>
-            <a:spLocks noGrp="1"/>
-          </p:cNvSpPr>
-          <p:nvPr>
-            <p:ph type="title"/>
-          </p:nvPr>
-        </p:nvSpPr>
-        <p:spPr/>
-        <p:txBody>
-          <a:bodyPr/>
-          <a:lstStyle/>
-          <a:p>
-            <a:r>
-              <a:rPr lang="en-US" dirty="0"/>
-              <a:t>Forces</a:t>
-            </a:r>
-          </a:p>
-        </p:txBody>
-      </p:sp>
-      <p:sp>
-        <p:nvSpPr>
-          <p:cNvPr id="3" name="Content Placeholder 2">
-            <a:extLst>
-              <a:ext uri="{FF2B5EF4-FFF2-40B4-BE49-F238E27FC236}">
-                <a16:creationId xmlns:a16="http://schemas.microsoft.com/office/drawing/2014/main" id="{AFAF1381-3646-4C4E-9389-EDA5CBE33FA5}"/>
-              </a:ext>
-            </a:extLst>
-          </p:cNvPr>
-          <p:cNvSpPr>
-            <a:spLocks noGrp="1"/>
-          </p:cNvSpPr>
-          <p:nvPr>
-            <p:ph idx="1"/>
-          </p:nvPr>
-        </p:nvSpPr>
-        <p:spPr/>
-        <p:txBody>
-          <a:bodyPr/>
-          <a:lstStyle/>
-          <a:p>
-            <a:endParaRPr lang="en-US" dirty="0"/>
-          </a:p>
-          <a:p>
-            <a:endParaRPr lang="en-US" dirty="0"/>
-          </a:p>
-          <a:p>
-            <a:endParaRPr lang="en-US" dirty="0"/>
-          </a:p>
-          <a:p>
-            <a:endParaRPr lang="en-US" dirty="0"/>
-          </a:p>
-          <a:p>
-            <a:endParaRPr lang="en-US" dirty="0"/>
-          </a:p>
-          <a:p>
-            <a:r>
-              <a:rPr lang="en-US" dirty="0" err="1"/>
-              <a:t>f</a:t>
-            </a:r>
-            <a:r>
-              <a:rPr lang="en-US" baseline="-25000" dirty="0" err="1"/>
-              <a:t>iW</a:t>
-            </a:r>
-            <a:r>
-              <a:rPr lang="en-US" baseline="-25000" dirty="0"/>
-              <a:t>  </a:t>
-            </a:r>
-            <a:r>
-              <a:rPr lang="en-US" dirty="0"/>
-              <a:t>represents the repulsive interaction force between a wall and a person</a:t>
-            </a:r>
-          </a:p>
-          <a:p>
-            <a:r>
-              <a:rPr lang="en-US" dirty="0" err="1"/>
-              <a:t>f</a:t>
-            </a:r>
-            <a:r>
-              <a:rPr lang="en-US" baseline="-25000" dirty="0" err="1"/>
-              <a:t>ij</a:t>
-            </a:r>
-            <a:r>
-              <a:rPr lang="en-US" dirty="0"/>
-              <a:t> represents the repulsive interaction force between person </a:t>
-            </a:r>
-            <a:r>
-              <a:rPr lang="en-US" dirty="0" err="1"/>
-              <a:t>i</a:t>
-            </a:r>
-            <a:r>
-              <a:rPr lang="en-US" dirty="0"/>
-              <a:t> and person j.</a:t>
-            </a:r>
-          </a:p>
-        </p:txBody>
-      </p:sp>
-      <p:pic>
-        <p:nvPicPr>
-          <p:cNvPr id="5" name="Picture 4" descr="A close up of a logo&#10;&#10;Description automatically generated">
-            <a:extLst>
-              <a:ext uri="{FF2B5EF4-FFF2-40B4-BE49-F238E27FC236}">
-                <a16:creationId xmlns:a16="http://schemas.microsoft.com/office/drawing/2014/main" id="{4CE3047A-26B1-8A40-BDEE-7802F7AB4983}"/>
-              </a:ext>
-            </a:extLst>
-          </p:cNvPr>
-          <p:cNvPicPr>
-            <a:picLocks noChangeAspect="1"/>
-          </p:cNvPicPr>
-          <p:nvPr/>
-        </p:nvPicPr>
-        <p:blipFill rotWithShape="1">
-          <a:blip r:embed="rId2"/>
-          <a:srcRect l="16362" t="1124" b="1"/>
-          <a:stretch/>
-        </p:blipFill>
-        <p:spPr>
-          <a:xfrm>
-            <a:off x="838200" y="1825625"/>
-            <a:ext cx="8318500" cy="1649347"/>
-          </a:xfrm>
-          <a:prstGeom prst="rect">
-            <a:avLst/>
-          </a:prstGeom>
-        </p:spPr>
-      </p:pic>
-      <p:pic>
-        <p:nvPicPr>
-          <p:cNvPr id="9" name="Picture 8">
-            <a:extLst>
-              <a:ext uri="{FF2B5EF4-FFF2-40B4-BE49-F238E27FC236}">
-                <a16:creationId xmlns:a16="http://schemas.microsoft.com/office/drawing/2014/main" id="{71BDABC7-A2D4-9B48-AD6F-79016482DDCE}"/>
-              </a:ext>
-            </a:extLst>
-          </p:cNvPr>
-          <p:cNvPicPr>
-            <a:picLocks noChangeAspect="1"/>
-          </p:cNvPicPr>
-          <p:nvPr/>
-        </p:nvPicPr>
-        <p:blipFill>
-          <a:blip r:embed="rId3"/>
-          <a:stretch>
-            <a:fillRect/>
-          </a:stretch>
-        </p:blipFill>
-        <p:spPr>
-          <a:xfrm>
-            <a:off x="838200" y="3526865"/>
-            <a:ext cx="8318500" cy="542858"/>
-          </a:xfrm>
-          <a:prstGeom prst="rect">
-            <a:avLst/>
-          </a:prstGeom>
-        </p:spPr>
-      </p:pic>
-    </p:spTree>
-    <p:extLst>
-      <p:ext uri="{BB962C8B-B14F-4D97-AF65-F5344CB8AC3E}">
-        <p14:creationId xmlns:p14="http://schemas.microsoft.com/office/powerpoint/2010/main" val="256036874"/>
-      </p:ext>
-    </p:extLst>
-  </p:cSld>
-  <p:clrMapOvr>
-    <a:masterClrMapping/>
-  </p:clrMapOvr>
-</p:sld>
-</file>
-
-<file path=ppt/slides/slide6.xml><?xml version="1.0" encoding="utf-8"?>
-<p:sld xmlns:a="http://schemas.openxmlformats.org/drawingml/2006/main" xmlns:r="http://schemas.openxmlformats.org/officeDocument/2006/relationships" xmlns:p="http://schemas.openxmlformats.org/presentationml/2006/main">
-  <p:cSld>
-    <p:spTree>
-      <p:nvGrpSpPr>
-        <p:cNvPr id="1" name=""/>
-        <p:cNvGrpSpPr/>
-        <p:nvPr/>
-      </p:nvGrpSpPr>
-      <p:grpSpPr>
-        <a:xfrm>
-          <a:off x="0" y="0"/>
-          <a:ext cx="0" cy="0"/>
-          <a:chOff x="0" y="0"/>
-          <a:chExt cx="0" cy="0"/>
-        </a:xfrm>
-      </p:grpSpPr>
-      <p:sp>
-        <p:nvSpPr>
-          <p:cNvPr id="2" name="Title 1">
-            <a:extLst>
-              <a:ext uri="{FF2B5EF4-FFF2-40B4-BE49-F238E27FC236}">
-                <a16:creationId xmlns:a16="http://schemas.microsoft.com/office/drawing/2014/main" id="{FC848FDC-1F54-294D-A496-FC00122590F8}"/>
-              </a:ext>
-            </a:extLst>
-          </p:cNvPr>
-          <p:cNvSpPr>
-            <a:spLocks noGrp="1"/>
-          </p:cNvSpPr>
-          <p:nvPr>
-            <p:ph type="title"/>
-          </p:nvPr>
-        </p:nvSpPr>
-        <p:spPr/>
-        <p:txBody>
-          <a:bodyPr/>
-          <a:lstStyle/>
-          <a:p>
-            <a:r>
-              <a:rPr lang="en-US" dirty="0"/>
-              <a:t>Panic Parameter: </a:t>
-            </a:r>
-          </a:p>
-        </p:txBody>
-      </p:sp>
-      <p:sp>
-        <p:nvSpPr>
-          <p:cNvPr id="3" name="Content Placeholder 2">
-            <a:extLst>
-              <a:ext uri="{FF2B5EF4-FFF2-40B4-BE49-F238E27FC236}">
-                <a16:creationId xmlns:a16="http://schemas.microsoft.com/office/drawing/2014/main" id="{A1372F93-2E5A-0E48-AA98-B93140C647EE}"/>
-              </a:ext>
-            </a:extLst>
-          </p:cNvPr>
-          <p:cNvSpPr>
-            <a:spLocks noGrp="1"/>
-          </p:cNvSpPr>
-          <p:nvPr>
-            <p:ph idx="1"/>
-          </p:nvPr>
-        </p:nvSpPr>
-        <p:spPr/>
-        <p:txBody>
-          <a:bodyPr/>
-          <a:lstStyle/>
-          <a:p>
-            <a:endParaRPr lang="en-US" dirty="0"/>
-          </a:p>
-          <a:p>
-            <a:endParaRPr lang="en-US" dirty="0"/>
-          </a:p>
-          <a:p>
-            <a:endParaRPr lang="en-US" dirty="0"/>
-          </a:p>
-          <a:p>
-            <a:r>
-              <a:rPr lang="en-US" dirty="0" err="1"/>
-              <a:t>e</a:t>
-            </a:r>
-            <a:r>
-              <a:rPr lang="en-US" baseline="-25000" dirty="0" err="1"/>
-              <a:t>i</a:t>
-            </a:r>
-            <a:r>
-              <a:rPr lang="en-US" baseline="-25000" dirty="0"/>
-              <a:t> </a:t>
-            </a:r>
-            <a:r>
-              <a:rPr lang="en-US" dirty="0" err="1"/>
-              <a:t>dasf</a:t>
-            </a:r>
-            <a:endParaRPr lang="en-US" dirty="0"/>
-          </a:p>
-        </p:txBody>
-      </p:sp>
-      <p:pic>
-        <p:nvPicPr>
-          <p:cNvPr id="5" name="Picture 4">
-            <a:extLst>
-              <a:ext uri="{FF2B5EF4-FFF2-40B4-BE49-F238E27FC236}">
-                <a16:creationId xmlns:a16="http://schemas.microsoft.com/office/drawing/2014/main" id="{F0A1A027-BCE2-9D4E-981B-F7EB9283579D}"/>
-              </a:ext>
-            </a:extLst>
-          </p:cNvPr>
-          <p:cNvPicPr>
-            <a:picLocks noChangeAspect="1"/>
-          </p:cNvPicPr>
-          <p:nvPr/>
-        </p:nvPicPr>
-        <p:blipFill>
-          <a:blip r:embed="rId2"/>
-          <a:stretch>
-            <a:fillRect/>
-          </a:stretch>
-        </p:blipFill>
-        <p:spPr>
-          <a:xfrm>
-            <a:off x="838200" y="1803423"/>
-            <a:ext cx="8470900" cy="1016000"/>
-          </a:xfrm>
-          <a:prstGeom prst="rect">
-            <a:avLst/>
-          </a:prstGeom>
-        </p:spPr>
-      </p:pic>
-    </p:spTree>
-    <p:extLst>
-      <p:ext uri="{BB962C8B-B14F-4D97-AF65-F5344CB8AC3E}">
-        <p14:creationId xmlns:p14="http://schemas.microsoft.com/office/powerpoint/2010/main" val="2393348570"/>
-      </p:ext>
-    </p:extLst>
-  </p:cSld>
-  <p:clrMapOvr>
-    <a:masterClrMapping/>
-  </p:clrMapOvr>
-</p:sld>
-</file>
-
-<file path=ppt/slides/slide7.xml><?xml version="1.0" encoding="utf-8"?>
-<p:sld xmlns:a="http://schemas.openxmlformats.org/drawingml/2006/main" xmlns:r="http://schemas.openxmlformats.org/officeDocument/2006/relationships" xmlns:p="http://schemas.openxmlformats.org/presentationml/2006/main">
-  <p:cSld>
-    <p:spTree>
-      <p:nvGrpSpPr>
-        <p:cNvPr id="1" name=""/>
-        <p:cNvGrpSpPr/>
-        <p:nvPr/>
-      </p:nvGrpSpPr>
-      <p:grpSpPr>
-        <a:xfrm>
-          <a:off x="0" y="0"/>
-          <a:ext cx="0" cy="0"/>
-          <a:chOff x="0" y="0"/>
-          <a:chExt cx="0" cy="0"/>
-        </a:xfrm>
-      </p:grpSpPr>
-      <p:sp>
-        <p:nvSpPr>
-          <p:cNvPr id="2" name="Title 1">
-            <a:extLst>
-              <a:ext uri="{FF2B5EF4-FFF2-40B4-BE49-F238E27FC236}">
-                <a16:creationId xmlns:a16="http://schemas.microsoft.com/office/drawing/2014/main" id="{E4C6F4CF-CF5A-2649-AF7C-8953E5BEC060}"/>
-              </a:ext>
-            </a:extLst>
-          </p:cNvPr>
-          <p:cNvSpPr>
-            <a:spLocks noGrp="1"/>
-          </p:cNvSpPr>
-          <p:nvPr>
-            <p:ph type="title"/>
-          </p:nvPr>
-        </p:nvSpPr>
-        <p:spPr/>
-        <p:txBody>
-          <a:bodyPr/>
-          <a:lstStyle/>
-          <a:p>
-            <a:r>
-              <a:rPr lang="en-US" dirty="0"/>
-              <a:t>Assumptions: herding</a:t>
-            </a:r>
-          </a:p>
-        </p:txBody>
-      </p:sp>
-      <p:sp>
-        <p:nvSpPr>
-          <p:cNvPr id="3" name="Content Placeholder 2">
-            <a:extLst>
-              <a:ext uri="{FF2B5EF4-FFF2-40B4-BE49-F238E27FC236}">
-                <a16:creationId xmlns:a16="http://schemas.microsoft.com/office/drawing/2014/main" id="{2FE0FCCB-C1DC-6A41-A824-006511742002}"/>
-              </a:ext>
-            </a:extLst>
-          </p:cNvPr>
-          <p:cNvSpPr>
-            <a:spLocks noGrp="1"/>
-          </p:cNvSpPr>
-          <p:nvPr>
-            <p:ph idx="1"/>
-          </p:nvPr>
-        </p:nvSpPr>
-        <p:spPr/>
-        <p:txBody>
-          <a:bodyPr/>
-          <a:lstStyle/>
-          <a:p>
-            <a:r>
-              <a:rPr lang="en-US" dirty="0"/>
-              <a:t>In an emergency situation, people often show the so-called collective ‘herding’ behavior, i.e. when undergo panic feelings, people tend to run and follow other running people.</a:t>
-            </a:r>
-          </a:p>
-        </p:txBody>
-      </p:sp>
-    </p:spTree>
-    <p:extLst>
-      <p:ext uri="{BB962C8B-B14F-4D97-AF65-F5344CB8AC3E}">
-        <p14:creationId xmlns:p14="http://schemas.microsoft.com/office/powerpoint/2010/main" val="398902798"/>
-      </p:ext>
-    </p:extLst>
-  </p:cSld>
-  <p:clrMapOvr>
-    <a:masterClrMapping/>
-  </p:clrMapOvr>
-</p:sld>
-</file>
-
-<file path=ppt/slides/slide8.xml><?xml version="1.0" encoding="utf-8"?>
-<p:sld xmlns:a="http://schemas.openxmlformats.org/drawingml/2006/main" xmlns:r="http://schemas.openxmlformats.org/officeDocument/2006/relationships" xmlns:p="http://schemas.openxmlformats.org/presentationml/2006/main">
-  <p:cSld>
-    <p:spTree>
-      <p:nvGrpSpPr>
-        <p:cNvPr id="1" name=""/>
-        <p:cNvGrpSpPr/>
-        <p:nvPr/>
-      </p:nvGrpSpPr>
-      <p:grpSpPr>
-        <a:xfrm>
-          <a:off x="0" y="0"/>
-          <a:ext cx="0" cy="0"/>
-          <a:chOff x="0" y="0"/>
-          <a:chExt cx="0" cy="0"/>
-        </a:xfrm>
-      </p:grpSpPr>
-      <p:sp>
-        <p:nvSpPr>
-          <p:cNvPr id="2" name="Title 1">
-            <a:extLst>
-              <a:ext uri="{FF2B5EF4-FFF2-40B4-BE49-F238E27FC236}">
-                <a16:creationId xmlns:a16="http://schemas.microsoft.com/office/drawing/2014/main" id="{C521EB0E-EC09-174D-BB93-808C39208870}"/>
-              </a:ext>
-            </a:extLst>
-          </p:cNvPr>
-          <p:cNvSpPr>
-            <a:spLocks noGrp="1"/>
-          </p:cNvSpPr>
-          <p:nvPr>
-            <p:ph type="title"/>
-          </p:nvPr>
-        </p:nvSpPr>
-        <p:spPr/>
-        <p:txBody>
-          <a:bodyPr/>
-          <a:lstStyle/>
-          <a:p>
-            <a:r>
-              <a:rPr lang="en-US" dirty="0"/>
-              <a:t>Assumptions: The role of leader</a:t>
-            </a:r>
-          </a:p>
-        </p:txBody>
-      </p:sp>
-      <p:sp>
-        <p:nvSpPr>
-          <p:cNvPr id="3" name="Content Placeholder 2">
-            <a:extLst>
-              <a:ext uri="{FF2B5EF4-FFF2-40B4-BE49-F238E27FC236}">
-                <a16:creationId xmlns:a16="http://schemas.microsoft.com/office/drawing/2014/main" id="{E1186D32-34BE-5F41-AF2D-760763FFC2FB}"/>
-              </a:ext>
-            </a:extLst>
-          </p:cNvPr>
-          <p:cNvSpPr>
-            <a:spLocks noGrp="1"/>
-          </p:cNvSpPr>
-          <p:nvPr>
-            <p:ph idx="1"/>
-          </p:nvPr>
-        </p:nvSpPr>
-        <p:spPr/>
-        <p:txBody>
-          <a:bodyPr/>
-          <a:lstStyle/>
-          <a:p>
-            <a:r>
-              <a:rPr lang="en-US" dirty="0"/>
-              <a:t>In a smoky room, the vision range of a person is about 3m to 4 m. Thus the first role of leader should be to inform everyone where the exit is. </a:t>
-            </a:r>
-          </a:p>
-          <a:p>
-            <a:r>
-              <a:rPr lang="en-US" dirty="0"/>
-              <a:t>Very often, when many people want to go through a single exit in an emergency situation, pushing and clogging happens.</a:t>
-            </a:r>
-          </a:p>
-        </p:txBody>
-      </p:sp>
-    </p:spTree>
-    <p:extLst>
-      <p:ext uri="{BB962C8B-B14F-4D97-AF65-F5344CB8AC3E}">
-        <p14:creationId xmlns:p14="http://schemas.microsoft.com/office/powerpoint/2010/main" val="2962199719"/>
-      </p:ext>
-    </p:extLst>
-  </p:cSld>
-  <p:clrMapOvr>
-    <a:masterClrMapping/>
-  </p:clrMapOvr>
-</p:sld>
-</file>
-
-<file path=ppt/slides/slide9.xml><?xml version="1.0" encoding="utf-8"?>
-<p:sld xmlns:a="http://schemas.openxmlformats.org/drawingml/2006/main" xmlns:r="http://schemas.openxmlformats.org/officeDocument/2006/relationships" xmlns:p="http://schemas.openxmlformats.org/presentationml/2006/main">
-  <p:cSld>
-    <p:spTree>
-      <p:nvGrpSpPr>
-        <p:cNvPr id="1" name=""/>
-        <p:cNvGrpSpPr/>
-        <p:nvPr/>
-      </p:nvGrpSpPr>
-      <p:grpSpPr>
-        <a:xfrm>
-          <a:off x="0" y="0"/>
-          <a:ext cx="0" cy="0"/>
-          <a:chOff x="0" y="0"/>
-          <a:chExt cx="0" cy="0"/>
-        </a:xfrm>
-      </p:grpSpPr>
-      <p:sp>
-        <p:nvSpPr>
-          <p:cNvPr id="2" name="Title 1">
-            <a:extLst>
-              <a:ext uri="{FF2B5EF4-FFF2-40B4-BE49-F238E27FC236}">
                 <a16:creationId xmlns:a16="http://schemas.microsoft.com/office/drawing/2014/main" id="{BD193496-5D26-6542-B7DB-C2323E71B102}"/>
               </a:ext>
             </a:extLst>
@@ -4464,8 +3729,8 @@
         </p:blipFill>
         <p:spPr>
           <a:xfrm>
-            <a:off x="4476750" y="1825625"/>
-            <a:ext cx="3238500" cy="4351338"/>
+            <a:off x="4204493" y="1690688"/>
+            <a:ext cx="3783013" cy="4466006"/>
           </a:xfrm>
         </p:spPr>
       </p:pic>
@@ -4614,6 +3879,2500 @@
       </p:par>
     </p:tnLst>
   </p:timing>
+</p:sld>
+</file>
+
+<file path=ppt/slides/slide11.xml><?xml version="1.0" encoding="utf-8"?>
+<p:sld xmlns:a="http://schemas.openxmlformats.org/drawingml/2006/main" xmlns:r="http://schemas.openxmlformats.org/officeDocument/2006/relationships" xmlns:p="http://schemas.openxmlformats.org/presentationml/2006/main">
+  <p:cSld>
+    <p:spTree>
+      <p:nvGrpSpPr>
+        <p:cNvPr id="1" name=""/>
+        <p:cNvGrpSpPr/>
+        <p:nvPr/>
+      </p:nvGrpSpPr>
+      <p:grpSpPr>
+        <a:xfrm>
+          <a:off x="0" y="0"/>
+          <a:ext cx="0" cy="0"/>
+          <a:chOff x="0" y="0"/>
+          <a:chExt cx="0" cy="0"/>
+        </a:xfrm>
+      </p:grpSpPr>
+      <p:sp>
+        <p:nvSpPr>
+          <p:cNvPr id="2" name="Title 1">
+            <a:extLst>
+              <a:ext uri="{FF2B5EF4-FFF2-40B4-BE49-F238E27FC236}">
+                <a16:creationId xmlns:a16="http://schemas.microsoft.com/office/drawing/2014/main" id="{4CC6B98F-9EE0-5B47-BE07-B65F97D8C08F}"/>
+              </a:ext>
+            </a:extLst>
+          </p:cNvPr>
+          <p:cNvSpPr>
+            <a:spLocks noGrp="1"/>
+          </p:cNvSpPr>
+          <p:nvPr>
+            <p:ph type="title"/>
+          </p:nvPr>
+        </p:nvSpPr>
+        <p:spPr/>
+        <p:txBody>
+          <a:bodyPr/>
+          <a:lstStyle/>
+          <a:p>
+            <a:r>
+              <a:rPr lang="en-US" dirty="0"/>
+              <a:t>Result: The role of leaders</a:t>
+            </a:r>
+          </a:p>
+        </p:txBody>
+      </p:sp>
+      <p:pic>
+        <p:nvPicPr>
+          <p:cNvPr id="6" name="final_5de58cb1a27d220013fc703e_764187">
+            <a:hlinkClick r:id="" action="ppaction://media"/>
+            <a:extLst>
+              <a:ext uri="{FF2B5EF4-FFF2-40B4-BE49-F238E27FC236}">
+                <a16:creationId xmlns:a16="http://schemas.microsoft.com/office/drawing/2014/main" id="{04DDCBEA-5CCB-4270-8C15-7A4357177596}"/>
+              </a:ext>
+            </a:extLst>
+          </p:cNvPr>
+          <p:cNvPicPr>
+            <a:picLocks noGrp="1" noChangeAspect="1"/>
+          </p:cNvPicPr>
+          <p:nvPr>
+            <p:ph idx="1"/>
+            <a:videoFile r:link="rId2"/>
+            <p:extLst>
+              <p:ext uri="{DAA4B4D4-6D71-4841-9C94-3DE7FCFB9230}">
+                <p14:media xmlns:p14="http://schemas.microsoft.com/office/powerpoint/2010/main" r:embed="rId1"/>
+              </p:ext>
+            </p:extLst>
+          </p:nvPr>
+        </p:nvPicPr>
+        <p:blipFill>
+          <a:blip r:embed="rId4"/>
+          <a:stretch>
+            <a:fillRect/>
+          </a:stretch>
+        </p:blipFill>
+        <p:spPr>
+          <a:xfrm>
+            <a:off x="4204114" y="1825625"/>
+            <a:ext cx="3783772" cy="4351338"/>
+          </a:xfrm>
+          <a:prstGeom prst="rect">
+            <a:avLst/>
+          </a:prstGeom>
+        </p:spPr>
+      </p:pic>
+    </p:spTree>
+    <p:extLst>
+      <p:ext uri="{BB962C8B-B14F-4D97-AF65-F5344CB8AC3E}">
+        <p14:creationId xmlns:p14="http://schemas.microsoft.com/office/powerpoint/2010/main" val="346028647"/>
+      </p:ext>
+    </p:extLst>
+  </p:cSld>
+  <p:clrMapOvr>
+    <a:masterClrMapping/>
+  </p:clrMapOvr>
+  <p:timing>
+    <p:tnLst>
+      <p:par>
+        <p:cTn id="1" dur="indefinite" restart="never" nodeType="tmRoot">
+          <p:childTnLst>
+            <p:seq concurrent="1" nextAc="seek">
+              <p:cTn id="2" dur="indefinite" nodeType="mainSeq">
+                <p:childTnLst>
+                  <p:par>
+                    <p:cTn id="3" fill="hold">
+                      <p:stCondLst>
+                        <p:cond delay="indefinite"/>
+                      </p:stCondLst>
+                      <p:childTnLst>
+                        <p:par>
+                          <p:cTn id="4" fill="hold">
+                            <p:stCondLst>
+                              <p:cond delay="0"/>
+                            </p:stCondLst>
+                            <p:childTnLst>
+                              <p:par>
+                                <p:cTn id="5" presetID="1" presetClass="mediacall" presetSubtype="0" fill="hold" nodeType="clickEffect">
+                                  <p:stCondLst>
+                                    <p:cond delay="0"/>
+                                  </p:stCondLst>
+                                  <p:childTnLst>
+                                    <p:cmd type="call" cmd="playFrom(0.0)">
+                                      <p:cBhvr>
+                                        <p:cTn id="6" dur="15383" fill="hold"/>
+                                        <p:tgtEl>
+                                          <p:spTgt spid="6"/>
+                                        </p:tgtEl>
+                                      </p:cBhvr>
+                                    </p:cmd>
+                                  </p:childTnLst>
+                                </p:cTn>
+                              </p:par>
+                            </p:childTnLst>
+                          </p:cTn>
+                        </p:par>
+                      </p:childTnLst>
+                    </p:cTn>
+                  </p:par>
+                </p:childTnLst>
+              </p:cTn>
+              <p:prevCondLst>
+                <p:cond evt="onPrev" delay="0">
+                  <p:tgtEl>
+                    <p:sldTgt/>
+                  </p:tgtEl>
+                </p:cond>
+              </p:prevCondLst>
+              <p:nextCondLst>
+                <p:cond evt="onNext" delay="0">
+                  <p:tgtEl>
+                    <p:sldTgt/>
+                  </p:tgtEl>
+                </p:cond>
+              </p:nextCondLst>
+            </p:seq>
+            <p:seq concurrent="1" nextAc="seek">
+              <p:cTn id="7" restart="whenNotActive" fill="hold" evtFilter="cancelBubble" nodeType="interactiveSeq">
+                <p:stCondLst>
+                  <p:cond evt="onClick" delay="0">
+                    <p:tgtEl>
+                      <p:spTgt spid="6"/>
+                    </p:tgtEl>
+                  </p:cond>
+                </p:stCondLst>
+                <p:endSync evt="end" delay="0">
+                  <p:rtn val="all"/>
+                </p:endSync>
+                <p:childTnLst>
+                  <p:par>
+                    <p:cTn id="8" fill="hold">
+                      <p:stCondLst>
+                        <p:cond delay="0"/>
+                      </p:stCondLst>
+                      <p:childTnLst>
+                        <p:par>
+                          <p:cTn id="9" fill="hold">
+                            <p:stCondLst>
+                              <p:cond delay="0"/>
+                            </p:stCondLst>
+                            <p:childTnLst>
+                              <p:par>
+                                <p:cTn id="10" presetID="2" presetClass="mediacall" presetSubtype="0" fill="hold" nodeType="clickEffect">
+                                  <p:stCondLst>
+                                    <p:cond delay="0"/>
+                                  </p:stCondLst>
+                                  <p:childTnLst>
+                                    <p:cmd type="call" cmd="togglePause">
+                                      <p:cBhvr>
+                                        <p:cTn id="11" dur="1" fill="hold"/>
+                                        <p:tgtEl>
+                                          <p:spTgt spid="6"/>
+                                        </p:tgtEl>
+                                      </p:cBhvr>
+                                    </p:cmd>
+                                  </p:childTnLst>
+                                </p:cTn>
+                              </p:par>
+                            </p:childTnLst>
+                          </p:cTn>
+                        </p:par>
+                      </p:childTnLst>
+                    </p:cTn>
+                  </p:par>
+                </p:childTnLst>
+              </p:cTn>
+              <p:nextCondLst>
+                <p:cond evt="onClick" delay="0">
+                  <p:tgtEl>
+                    <p:spTgt spid="6"/>
+                  </p:tgtEl>
+                </p:cond>
+              </p:nextCondLst>
+            </p:seq>
+            <p:video>
+              <p:cMediaNode vol="80000">
+                <p:cTn id="12" fill="hold" display="0">
+                  <p:stCondLst>
+                    <p:cond delay="indefinite"/>
+                  </p:stCondLst>
+                </p:cTn>
+                <p:tgtEl>
+                  <p:spTgt spid="6"/>
+                </p:tgtEl>
+              </p:cMediaNode>
+            </p:video>
+          </p:childTnLst>
+        </p:cTn>
+      </p:par>
+    </p:tnLst>
+  </p:timing>
+</p:sld>
+</file>
+
+<file path=ppt/slides/slide12.xml><?xml version="1.0" encoding="utf-8"?>
+<p:sld xmlns:a="http://schemas.openxmlformats.org/drawingml/2006/main" xmlns:r="http://schemas.openxmlformats.org/officeDocument/2006/relationships" xmlns:p="http://schemas.openxmlformats.org/presentationml/2006/main">
+  <p:cSld>
+    <p:spTree>
+      <p:nvGrpSpPr>
+        <p:cNvPr id="1" name=""/>
+        <p:cNvGrpSpPr/>
+        <p:nvPr/>
+      </p:nvGrpSpPr>
+      <p:grpSpPr>
+        <a:xfrm>
+          <a:off x="0" y="0"/>
+          <a:ext cx="0" cy="0"/>
+          <a:chOff x="0" y="0"/>
+          <a:chExt cx="0" cy="0"/>
+        </a:xfrm>
+      </p:grpSpPr>
+      <p:sp>
+        <p:nvSpPr>
+          <p:cNvPr id="2" name="Title 1">
+            <a:extLst>
+              <a:ext uri="{FF2B5EF4-FFF2-40B4-BE49-F238E27FC236}">
+                <a16:creationId xmlns:a16="http://schemas.microsoft.com/office/drawing/2014/main" id="{79BFF349-D1EB-E545-BCB6-1902657A2EDE}"/>
+              </a:ext>
+            </a:extLst>
+          </p:cNvPr>
+          <p:cNvSpPr>
+            <a:spLocks noGrp="1"/>
+          </p:cNvSpPr>
+          <p:nvPr>
+            <p:ph type="title"/>
+          </p:nvPr>
+        </p:nvSpPr>
+        <p:spPr/>
+        <p:txBody>
+          <a:bodyPr/>
+          <a:lstStyle/>
+          <a:p>
+            <a:r>
+              <a:rPr lang="en-US" dirty="0"/>
+              <a:t>Future Work</a:t>
+            </a:r>
+          </a:p>
+        </p:txBody>
+      </p:sp>
+      <p:sp>
+        <p:nvSpPr>
+          <p:cNvPr id="3" name="Content Placeholder 2">
+            <a:extLst>
+              <a:ext uri="{FF2B5EF4-FFF2-40B4-BE49-F238E27FC236}">
+                <a16:creationId xmlns:a16="http://schemas.microsoft.com/office/drawing/2014/main" id="{ECF7C14C-D09C-F94F-B166-82EFA7FFE093}"/>
+              </a:ext>
+            </a:extLst>
+          </p:cNvPr>
+          <p:cNvSpPr>
+            <a:spLocks noGrp="1"/>
+          </p:cNvSpPr>
+          <p:nvPr>
+            <p:ph idx="1"/>
+          </p:nvPr>
+        </p:nvSpPr>
+        <p:spPr/>
+        <p:txBody>
+          <a:bodyPr/>
+          <a:lstStyle/>
+          <a:p>
+            <a:r>
+              <a:rPr lang="en-US" dirty="0"/>
+              <a:t>1. How the building layout affects escape dynamics. </a:t>
+            </a:r>
+          </a:p>
+          <a:p>
+            <a:r>
+              <a:rPr lang="en-US" dirty="0"/>
+              <a:t>2. Compare different leader strategies.</a:t>
+            </a:r>
+          </a:p>
+        </p:txBody>
+      </p:sp>
+    </p:spTree>
+    <p:extLst>
+      <p:ext uri="{BB962C8B-B14F-4D97-AF65-F5344CB8AC3E}">
+        <p14:creationId xmlns:p14="http://schemas.microsoft.com/office/powerpoint/2010/main" val="3517608922"/>
+      </p:ext>
+    </p:extLst>
+  </p:cSld>
+  <p:clrMapOvr>
+    <a:masterClrMapping/>
+  </p:clrMapOvr>
+</p:sld>
+</file>
+
+<file path=ppt/slides/slide2.xml><?xml version="1.0" encoding="utf-8"?>
+<p:sld xmlns:a="http://schemas.openxmlformats.org/drawingml/2006/main" xmlns:r="http://schemas.openxmlformats.org/officeDocument/2006/relationships" xmlns:p="http://schemas.openxmlformats.org/presentationml/2006/main">
+  <p:cSld>
+    <p:spTree>
+      <p:nvGrpSpPr>
+        <p:cNvPr id="1" name=""/>
+        <p:cNvGrpSpPr/>
+        <p:nvPr/>
+      </p:nvGrpSpPr>
+      <p:grpSpPr>
+        <a:xfrm>
+          <a:off x="0" y="0"/>
+          <a:ext cx="0" cy="0"/>
+          <a:chOff x="0" y="0"/>
+          <a:chExt cx="0" cy="0"/>
+        </a:xfrm>
+      </p:grpSpPr>
+      <p:sp>
+        <p:nvSpPr>
+          <p:cNvPr id="2" name="Title 1">
+            <a:extLst>
+              <a:ext uri="{FF2B5EF4-FFF2-40B4-BE49-F238E27FC236}">
+                <a16:creationId xmlns:a16="http://schemas.microsoft.com/office/drawing/2014/main" id="{F4AC6CB0-240F-1844-8063-FBCB9CDEDA32}"/>
+              </a:ext>
+            </a:extLst>
+          </p:cNvPr>
+          <p:cNvSpPr>
+            <a:spLocks noGrp="1"/>
+          </p:cNvSpPr>
+          <p:nvPr>
+            <p:ph type="title"/>
+          </p:nvPr>
+        </p:nvSpPr>
+        <p:spPr/>
+        <p:txBody>
+          <a:bodyPr/>
+          <a:lstStyle/>
+          <a:p>
+            <a:r>
+              <a:rPr lang="en-US" dirty="0"/>
+              <a:t>Background and Research Question</a:t>
+            </a:r>
+          </a:p>
+        </p:txBody>
+      </p:sp>
+      <p:sp>
+        <p:nvSpPr>
+          <p:cNvPr id="3" name="Content Placeholder 2">
+            <a:extLst>
+              <a:ext uri="{FF2B5EF4-FFF2-40B4-BE49-F238E27FC236}">
+                <a16:creationId xmlns:a16="http://schemas.microsoft.com/office/drawing/2014/main" id="{90191369-A287-EF4C-AEF7-24BD134C0246}"/>
+              </a:ext>
+            </a:extLst>
+          </p:cNvPr>
+          <p:cNvSpPr>
+            <a:spLocks noGrp="1"/>
+          </p:cNvSpPr>
+          <p:nvPr>
+            <p:ph idx="1"/>
+          </p:nvPr>
+        </p:nvSpPr>
+        <p:spPr/>
+        <p:txBody>
+          <a:bodyPr/>
+          <a:lstStyle/>
+          <a:p>
+            <a:r>
+              <a:rPr lang="en-US" dirty="0"/>
+              <a:t>Background: </a:t>
+            </a:r>
+          </a:p>
+          <a:p>
+            <a:pPr marL="0" indent="0">
+              <a:buNone/>
+            </a:pPr>
+            <a:r>
+              <a:rPr lang="en-US" dirty="0"/>
+              <a:t>One of the most disastrous forms of collective human behavior is the kind of crowd stampede induced by panic [1].  In a room when emergency happens, the role of leader should be very important. </a:t>
+            </a:r>
+          </a:p>
+          <a:p>
+            <a:r>
+              <a:rPr lang="en-US" dirty="0"/>
+              <a:t>Our Research Question:</a:t>
+            </a:r>
+          </a:p>
+          <a:p>
+            <a:pPr marL="0" indent="0">
+              <a:buNone/>
+            </a:pPr>
+            <a:r>
+              <a:rPr lang="en-US" dirty="0"/>
+              <a:t>How does a leader make a difference? Specifically, in a smoky room filled by certain amount of people who are trying to escape from the room, will a leader help people escape ? </a:t>
+            </a:r>
+          </a:p>
+        </p:txBody>
+      </p:sp>
+    </p:spTree>
+    <p:extLst>
+      <p:ext uri="{BB962C8B-B14F-4D97-AF65-F5344CB8AC3E}">
+        <p14:creationId xmlns:p14="http://schemas.microsoft.com/office/powerpoint/2010/main" val="663829945"/>
+      </p:ext>
+    </p:extLst>
+  </p:cSld>
+  <p:clrMapOvr>
+    <a:masterClrMapping/>
+  </p:clrMapOvr>
+</p:sld>
+</file>
+
+<file path=ppt/slides/slide3.xml><?xml version="1.0" encoding="utf-8"?>
+<p:sld xmlns:a="http://schemas.openxmlformats.org/drawingml/2006/main" xmlns:r="http://schemas.openxmlformats.org/officeDocument/2006/relationships" xmlns:p="http://schemas.openxmlformats.org/presentationml/2006/main">
+  <p:cSld>
+    <p:spTree>
+      <p:nvGrpSpPr>
+        <p:cNvPr id="1" name=""/>
+        <p:cNvGrpSpPr/>
+        <p:nvPr/>
+      </p:nvGrpSpPr>
+      <p:grpSpPr>
+        <a:xfrm>
+          <a:off x="0" y="0"/>
+          <a:ext cx="0" cy="0"/>
+          <a:chOff x="0" y="0"/>
+          <a:chExt cx="0" cy="0"/>
+        </a:xfrm>
+      </p:grpSpPr>
+      <p:sp>
+        <p:nvSpPr>
+          <p:cNvPr id="2" name="Title 1">
+            <a:extLst>
+              <a:ext uri="{FF2B5EF4-FFF2-40B4-BE49-F238E27FC236}">
+                <a16:creationId xmlns:a16="http://schemas.microsoft.com/office/drawing/2014/main" id="{39DC7BE7-BE55-AF48-B873-F79B68697623}"/>
+              </a:ext>
+            </a:extLst>
+          </p:cNvPr>
+          <p:cNvSpPr>
+            <a:spLocks noGrp="1"/>
+          </p:cNvSpPr>
+          <p:nvPr>
+            <p:ph type="title"/>
+          </p:nvPr>
+        </p:nvSpPr>
+        <p:spPr/>
+        <p:txBody>
+          <a:bodyPr/>
+          <a:lstStyle/>
+          <a:p>
+            <a:r>
+              <a:rPr lang="en-US" dirty="0"/>
+              <a:t>Model: Agent-Based Social-Psychological Model</a:t>
+            </a:r>
+          </a:p>
+        </p:txBody>
+      </p:sp>
+      <p:sp>
+        <p:nvSpPr>
+          <p:cNvPr id="3" name="Content Placeholder 2">
+            <a:extLst>
+              <a:ext uri="{FF2B5EF4-FFF2-40B4-BE49-F238E27FC236}">
+                <a16:creationId xmlns:a16="http://schemas.microsoft.com/office/drawing/2014/main" id="{C96E2B37-48C2-5C4A-96B4-DC4664E6ACF1}"/>
+              </a:ext>
+            </a:extLst>
+          </p:cNvPr>
+          <p:cNvSpPr>
+            <a:spLocks noGrp="1"/>
+          </p:cNvSpPr>
+          <p:nvPr>
+            <p:ph idx="1"/>
+          </p:nvPr>
+        </p:nvSpPr>
+        <p:spPr/>
+        <p:txBody>
+          <a:bodyPr/>
+          <a:lstStyle/>
+          <a:p>
+            <a:endParaRPr lang="en-US" dirty="0"/>
+          </a:p>
+          <a:p>
+            <a:pPr marL="0" indent="0">
+              <a:buNone/>
+            </a:pPr>
+            <a:endParaRPr lang="en-US" dirty="0"/>
+          </a:p>
+          <a:p>
+            <a:r>
+              <a:rPr lang="en-US" dirty="0"/>
+              <a:t>Room(Environment): </a:t>
+            </a:r>
+          </a:p>
+          <a:p>
+            <a:pPr lvl="1"/>
+            <a:r>
+              <a:rPr lang="en-US" dirty="0"/>
+              <a:t>Size is 20m x 30m</a:t>
+            </a:r>
+          </a:p>
+          <a:p>
+            <a:pPr lvl="1"/>
+            <a:r>
+              <a:rPr lang="en-US" dirty="0"/>
+              <a:t>Single Exit</a:t>
+            </a:r>
+          </a:p>
+          <a:p>
+            <a:pPr lvl="1"/>
+            <a:r>
+              <a:rPr lang="en-US" dirty="0"/>
+              <a:t>Smoky </a:t>
+            </a:r>
+          </a:p>
+          <a:p>
+            <a:r>
+              <a:rPr lang="en-US" dirty="0"/>
+              <a:t>People(Agents):</a:t>
+            </a:r>
+          </a:p>
+          <a:p>
+            <a:pPr lvl="1"/>
+            <a:r>
+              <a:rPr lang="en-US" dirty="0"/>
+              <a:t>Each person is represented by a circle with certain radius. (0.25cm to 0.3cm) </a:t>
+            </a:r>
+          </a:p>
+          <a:p>
+            <a:pPr marL="0" indent="0">
+              <a:buNone/>
+            </a:pPr>
+            <a:endParaRPr lang="en-US" dirty="0"/>
+          </a:p>
+          <a:p>
+            <a:pPr lvl="1"/>
+            <a:endParaRPr lang="en-US" dirty="0"/>
+          </a:p>
+        </p:txBody>
+      </p:sp>
+      <p:pic>
+        <p:nvPicPr>
+          <p:cNvPr id="5" name="Picture 4" descr="A screenshot of a cell phone&#10;&#10;Description automatically generated">
+            <a:extLst>
+              <a:ext uri="{FF2B5EF4-FFF2-40B4-BE49-F238E27FC236}">
+                <a16:creationId xmlns:a16="http://schemas.microsoft.com/office/drawing/2014/main" id="{2FA75DF3-5811-364E-B7C5-74FD86B289F1}"/>
+              </a:ext>
+            </a:extLst>
+          </p:cNvPr>
+          <p:cNvPicPr>
+            <a:picLocks noChangeAspect="1"/>
+          </p:cNvPicPr>
+          <p:nvPr/>
+        </p:nvPicPr>
+        <p:blipFill>
+          <a:blip r:embed="rId2"/>
+          <a:stretch>
+            <a:fillRect/>
+          </a:stretch>
+        </p:blipFill>
+        <p:spPr>
+          <a:xfrm>
+            <a:off x="6664440" y="1556039"/>
+            <a:ext cx="4132126" cy="3223597"/>
+          </a:xfrm>
+          <a:prstGeom prst="rect">
+            <a:avLst/>
+          </a:prstGeom>
+        </p:spPr>
+      </p:pic>
+    </p:spTree>
+    <p:extLst>
+      <p:ext uri="{BB962C8B-B14F-4D97-AF65-F5344CB8AC3E}">
+        <p14:creationId xmlns:p14="http://schemas.microsoft.com/office/powerpoint/2010/main" val="1285210278"/>
+      </p:ext>
+    </p:extLst>
+  </p:cSld>
+  <p:clrMapOvr>
+    <a:masterClrMapping/>
+  </p:clrMapOvr>
+</p:sld>
+</file>
+
+<file path=ppt/slides/slide4.xml><?xml version="1.0" encoding="utf-8"?>
+<p:sld xmlns:a="http://schemas.openxmlformats.org/drawingml/2006/main" xmlns:r="http://schemas.openxmlformats.org/officeDocument/2006/relationships" xmlns:p="http://schemas.openxmlformats.org/presentationml/2006/main">
+  <p:cSld>
+    <p:spTree>
+      <p:nvGrpSpPr>
+        <p:cNvPr id="1" name=""/>
+        <p:cNvGrpSpPr/>
+        <p:nvPr/>
+      </p:nvGrpSpPr>
+      <p:grpSpPr>
+        <a:xfrm>
+          <a:off x="0" y="0"/>
+          <a:ext cx="0" cy="0"/>
+          <a:chOff x="0" y="0"/>
+          <a:chExt cx="0" cy="0"/>
+        </a:xfrm>
+      </p:grpSpPr>
+      <p:sp>
+        <p:nvSpPr>
+          <p:cNvPr id="2" name="Title 1">
+            <a:extLst>
+              <a:ext uri="{FF2B5EF4-FFF2-40B4-BE49-F238E27FC236}">
+                <a16:creationId xmlns:a16="http://schemas.microsoft.com/office/drawing/2014/main" id="{87E4ACE6-B754-D84B-BA88-AD41F6F3DCC4}"/>
+              </a:ext>
+            </a:extLst>
+          </p:cNvPr>
+          <p:cNvSpPr>
+            <a:spLocks noGrp="1"/>
+          </p:cNvSpPr>
+          <p:nvPr>
+            <p:ph type="title"/>
+          </p:nvPr>
+        </p:nvSpPr>
+        <p:spPr/>
+        <p:txBody>
+          <a:bodyPr/>
+          <a:lstStyle/>
+          <a:p>
+            <a:r>
+              <a:rPr lang="en-US" dirty="0"/>
+              <a:t>Rules of the ABM</a:t>
+            </a:r>
+          </a:p>
+        </p:txBody>
+      </p:sp>
+      <p:sp>
+        <p:nvSpPr>
+          <p:cNvPr id="3" name="Content Placeholder 2">
+            <a:extLst>
+              <a:ext uri="{FF2B5EF4-FFF2-40B4-BE49-F238E27FC236}">
+                <a16:creationId xmlns:a16="http://schemas.microsoft.com/office/drawing/2014/main" id="{1B17B36F-A5BB-EB43-A96C-9AEBBB015051}"/>
+              </a:ext>
+            </a:extLst>
+          </p:cNvPr>
+          <p:cNvSpPr>
+            <a:spLocks noGrp="1"/>
+          </p:cNvSpPr>
+          <p:nvPr>
+            <p:ph idx="1"/>
+          </p:nvPr>
+        </p:nvSpPr>
+        <p:spPr>
+          <a:xfrm>
+            <a:off x="804421" y="1437424"/>
+            <a:ext cx="10515600" cy="4351338"/>
+          </a:xfrm>
+        </p:spPr>
+        <p:txBody>
+          <a:bodyPr/>
+          <a:lstStyle/>
+          <a:p>
+            <a:r>
+              <a:rPr lang="en-US" dirty="0"/>
+              <a:t>The crowd dynamic simulation is based on a generalized force model (Newton’s second law of motion F=ma) . </a:t>
+            </a:r>
+          </a:p>
+          <a:p>
+            <a:r>
+              <a:rPr lang="en-US" dirty="0"/>
+              <a:t>The first term is the social-psychological force; it describes a pedestrian i’s tendency to move to a desire direction.  </a:t>
+            </a:r>
+          </a:p>
+          <a:p>
+            <a:r>
+              <a:rPr lang="en-US" dirty="0"/>
+              <a:t>The second term is the sum of forces between other pedestrians. </a:t>
+            </a:r>
+          </a:p>
+          <a:p>
+            <a:r>
+              <a:rPr lang="en-US" dirty="0"/>
+              <a:t>The third term is the sum of forces between a person and a wall.</a:t>
+            </a:r>
+          </a:p>
+          <a:p>
+            <a:pPr lvl="1"/>
+            <a:endParaRPr lang="en-US" dirty="0"/>
+          </a:p>
+        </p:txBody>
+      </p:sp>
+      <p:pic>
+        <p:nvPicPr>
+          <p:cNvPr id="5" name="Picture 4" descr="A picture containing clock&#10;&#10;Description automatically generated">
+            <a:extLst>
+              <a:ext uri="{FF2B5EF4-FFF2-40B4-BE49-F238E27FC236}">
+                <a16:creationId xmlns:a16="http://schemas.microsoft.com/office/drawing/2014/main" id="{E6464301-B353-504B-88F8-A1B3BCFBA2A6}"/>
+              </a:ext>
+            </a:extLst>
+          </p:cNvPr>
+          <p:cNvPicPr>
+            <a:picLocks noChangeAspect="1"/>
+          </p:cNvPicPr>
+          <p:nvPr/>
+        </p:nvPicPr>
+        <p:blipFill>
+          <a:blip r:embed="rId2"/>
+          <a:stretch>
+            <a:fillRect/>
+          </a:stretch>
+        </p:blipFill>
+        <p:spPr>
+          <a:xfrm>
+            <a:off x="973332" y="4254500"/>
+            <a:ext cx="9867493" cy="1371600"/>
+          </a:xfrm>
+          <a:prstGeom prst="rect">
+            <a:avLst/>
+          </a:prstGeom>
+        </p:spPr>
+      </p:pic>
+      <p:sp>
+        <p:nvSpPr>
+          <p:cNvPr id="4" name="TextBox 3">
+            <a:extLst>
+              <a:ext uri="{FF2B5EF4-FFF2-40B4-BE49-F238E27FC236}">
+                <a16:creationId xmlns:a16="http://schemas.microsoft.com/office/drawing/2014/main" id="{13F757D4-4036-44FA-AFC4-13E9581F4786}"/>
+              </a:ext>
+            </a:extLst>
+          </p:cNvPr>
+          <p:cNvSpPr txBox="1"/>
+          <p:nvPr/>
+        </p:nvSpPr>
+        <p:spPr>
+          <a:xfrm>
+            <a:off x="3789170" y="5707430"/>
+            <a:ext cx="2306829" cy="707886"/>
+          </a:xfrm>
+          <a:prstGeom prst="rect">
+            <a:avLst/>
+          </a:prstGeom>
+          <a:noFill/>
+        </p:spPr>
+        <p:txBody>
+          <a:bodyPr wrap="square" rtlCol="0">
+            <a:spAutoFit/>
+          </a:bodyPr>
+          <a:lstStyle/>
+          <a:p>
+            <a:r>
+              <a:rPr lang="en-US" sz="2000" dirty="0"/>
+              <a:t>How agents behave on their own</a:t>
+            </a:r>
+          </a:p>
+        </p:txBody>
+      </p:sp>
+      <p:sp>
+        <p:nvSpPr>
+          <p:cNvPr id="6" name="TextBox 5">
+            <a:extLst>
+              <a:ext uri="{FF2B5EF4-FFF2-40B4-BE49-F238E27FC236}">
+                <a16:creationId xmlns:a16="http://schemas.microsoft.com/office/drawing/2014/main" id="{6BA3A8DD-ACEA-4EED-AF13-1E17017A0D75}"/>
+              </a:ext>
+            </a:extLst>
+          </p:cNvPr>
+          <p:cNvSpPr txBox="1"/>
+          <p:nvPr/>
+        </p:nvSpPr>
+        <p:spPr>
+          <a:xfrm>
+            <a:off x="6347030" y="5712105"/>
+            <a:ext cx="2262729" cy="707886"/>
+          </a:xfrm>
+          <a:prstGeom prst="rect">
+            <a:avLst/>
+          </a:prstGeom>
+          <a:noFill/>
+        </p:spPr>
+        <p:txBody>
+          <a:bodyPr wrap="square" rtlCol="0">
+            <a:spAutoFit/>
+          </a:bodyPr>
+          <a:lstStyle/>
+          <a:p>
+            <a:r>
+              <a:rPr lang="en-US" sz="2000" dirty="0"/>
+              <a:t>How agents interact with each other</a:t>
+            </a:r>
+          </a:p>
+        </p:txBody>
+      </p:sp>
+      <p:sp>
+        <p:nvSpPr>
+          <p:cNvPr id="7" name="TextBox 6">
+            <a:extLst>
+              <a:ext uri="{FF2B5EF4-FFF2-40B4-BE49-F238E27FC236}">
+                <a16:creationId xmlns:a16="http://schemas.microsoft.com/office/drawing/2014/main" id="{1DD4A30B-E8B3-4813-8093-F07FECCA3B0A}"/>
+              </a:ext>
+            </a:extLst>
+          </p:cNvPr>
+          <p:cNvSpPr txBox="1"/>
+          <p:nvPr/>
+        </p:nvSpPr>
+        <p:spPr>
+          <a:xfrm>
+            <a:off x="8860790" y="5712105"/>
+            <a:ext cx="2459231" cy="707886"/>
+          </a:xfrm>
+          <a:prstGeom prst="rect">
+            <a:avLst/>
+          </a:prstGeom>
+          <a:noFill/>
+        </p:spPr>
+        <p:txBody>
+          <a:bodyPr wrap="square" rtlCol="0">
+            <a:spAutoFit/>
+          </a:bodyPr>
+          <a:lstStyle/>
+          <a:p>
+            <a:r>
+              <a:rPr lang="en-US" sz="2000" dirty="0"/>
+              <a:t>How agents interact with the environment  </a:t>
+            </a:r>
+          </a:p>
+        </p:txBody>
+      </p:sp>
+    </p:spTree>
+    <p:extLst>
+      <p:ext uri="{BB962C8B-B14F-4D97-AF65-F5344CB8AC3E}">
+        <p14:creationId xmlns:p14="http://schemas.microsoft.com/office/powerpoint/2010/main" val="1871211983"/>
+      </p:ext>
+    </p:extLst>
+  </p:cSld>
+  <p:clrMapOvr>
+    <a:masterClrMapping/>
+  </p:clrMapOvr>
+</p:sld>
+</file>
+
+<file path=ppt/slides/slide5.xml><?xml version="1.0" encoding="utf-8"?>
+<p:sld xmlns:a="http://schemas.openxmlformats.org/drawingml/2006/main" xmlns:r="http://schemas.openxmlformats.org/officeDocument/2006/relationships" xmlns:p="http://schemas.openxmlformats.org/presentationml/2006/main">
+  <p:cSld>
+    <p:spTree>
+      <p:nvGrpSpPr>
+        <p:cNvPr id="1" name=""/>
+        <p:cNvGrpSpPr/>
+        <p:nvPr/>
+      </p:nvGrpSpPr>
+      <p:grpSpPr>
+        <a:xfrm>
+          <a:off x="0" y="0"/>
+          <a:ext cx="0" cy="0"/>
+          <a:chOff x="0" y="0"/>
+          <a:chExt cx="0" cy="0"/>
+        </a:xfrm>
+      </p:grpSpPr>
+      <p:sp>
+        <p:nvSpPr>
+          <p:cNvPr id="2" name="Title 1">
+            <a:extLst>
+              <a:ext uri="{FF2B5EF4-FFF2-40B4-BE49-F238E27FC236}">
+                <a16:creationId xmlns:a16="http://schemas.microsoft.com/office/drawing/2014/main" id="{A5108C18-0673-DE41-80FD-2171E8DABBAA}"/>
+              </a:ext>
+            </a:extLst>
+          </p:cNvPr>
+          <p:cNvSpPr>
+            <a:spLocks noGrp="1"/>
+          </p:cNvSpPr>
+          <p:nvPr>
+            <p:ph type="title"/>
+          </p:nvPr>
+        </p:nvSpPr>
+        <p:spPr/>
+        <p:txBody>
+          <a:bodyPr/>
+          <a:lstStyle/>
+          <a:p>
+            <a:r>
+              <a:rPr lang="en-US" dirty="0"/>
+              <a:t>Physical Forces on a pedestrian </a:t>
+            </a:r>
+            <a:r>
+              <a:rPr lang="en-US" dirty="0" err="1"/>
+              <a:t>i</a:t>
+            </a:r>
+            <a:endParaRPr lang="en-US" dirty="0"/>
+          </a:p>
+        </p:txBody>
+      </p:sp>
+      <p:sp>
+        <p:nvSpPr>
+          <p:cNvPr id="3" name="Content Placeholder 2">
+            <a:extLst>
+              <a:ext uri="{FF2B5EF4-FFF2-40B4-BE49-F238E27FC236}">
+                <a16:creationId xmlns:a16="http://schemas.microsoft.com/office/drawing/2014/main" id="{AFAF1381-3646-4C4E-9389-EDA5CBE33FA5}"/>
+              </a:ext>
+            </a:extLst>
+          </p:cNvPr>
+          <p:cNvSpPr>
+            <a:spLocks noGrp="1"/>
+          </p:cNvSpPr>
+          <p:nvPr>
+            <p:ph idx="1"/>
+          </p:nvPr>
+        </p:nvSpPr>
+        <p:spPr>
+          <a:xfrm>
+            <a:off x="838199" y="2078004"/>
+            <a:ext cx="10144027" cy="4351338"/>
+          </a:xfrm>
+        </p:spPr>
+        <p:txBody>
+          <a:bodyPr>
+            <a:normAutofit/>
+          </a:bodyPr>
+          <a:lstStyle/>
+          <a:p>
+            <a:r>
+              <a:rPr lang="en-US" dirty="0" err="1"/>
+              <a:t>f</a:t>
+            </a:r>
+            <a:r>
+              <a:rPr lang="en-US" baseline="-25000" dirty="0" err="1"/>
+              <a:t>ij</a:t>
+            </a:r>
+            <a:r>
+              <a:rPr lang="en-US" dirty="0"/>
+              <a:t> is the ‘interaction forces’  between pedestrian </a:t>
+            </a:r>
+            <a:r>
+              <a:rPr lang="en-US" dirty="0" err="1"/>
+              <a:t>i</a:t>
+            </a:r>
+            <a:r>
+              <a:rPr lang="en-US" dirty="0"/>
+              <a:t> and pedestrian j, represented in a unit basis (</a:t>
+            </a:r>
+            <a:r>
+              <a:rPr lang="en-US" dirty="0" err="1"/>
+              <a:t>n</a:t>
+            </a:r>
+            <a:r>
+              <a:rPr lang="en-US" baseline="-25000" dirty="0" err="1"/>
+              <a:t>ij</a:t>
+            </a:r>
+            <a:r>
+              <a:rPr lang="en-US" baseline="-25000" dirty="0"/>
+              <a:t> </a:t>
+            </a:r>
+            <a:r>
+              <a:rPr lang="en-US" dirty="0"/>
+              <a:t>,</a:t>
+            </a:r>
+            <a:r>
+              <a:rPr lang="en-US" dirty="0" err="1"/>
+              <a:t>t</a:t>
+            </a:r>
+            <a:r>
+              <a:rPr lang="en-US" baseline="-25000" dirty="0" err="1"/>
+              <a:t>ij</a:t>
+            </a:r>
+            <a:r>
+              <a:rPr lang="en-US" dirty="0"/>
+              <a:t>)</a:t>
+            </a:r>
+          </a:p>
+          <a:p>
+            <a:r>
+              <a:rPr lang="en-US" dirty="0"/>
+              <a:t>Repulsive force in the direction pointing from j to </a:t>
+            </a:r>
+            <a:r>
+              <a:rPr lang="en-US" dirty="0" err="1"/>
+              <a:t>i</a:t>
+            </a:r>
+            <a:r>
+              <a:rPr lang="en-US" dirty="0"/>
+              <a:t> (</a:t>
+            </a:r>
+            <a:r>
+              <a:rPr lang="en-US" dirty="0" err="1"/>
+              <a:t>n</a:t>
+            </a:r>
+            <a:r>
+              <a:rPr lang="en-US" baseline="-25000" dirty="0" err="1"/>
+              <a:t>ij</a:t>
+            </a:r>
+            <a:r>
+              <a:rPr lang="en-US" dirty="0"/>
+              <a:t>)</a:t>
+            </a:r>
+          </a:p>
+          <a:p>
+            <a:pPr marL="0" indent="0">
+              <a:buNone/>
+            </a:pPr>
+            <a:r>
+              <a:rPr lang="en-US" dirty="0"/>
+              <a:t>	In ODE calculation </a:t>
+            </a:r>
+            <a:r>
+              <a:rPr lang="en-US" dirty="0" err="1"/>
+              <a:t>d</a:t>
+            </a:r>
+            <a:r>
+              <a:rPr lang="en-US" baseline="-25000" dirty="0" err="1"/>
+              <a:t>ij</a:t>
+            </a:r>
+            <a:r>
+              <a:rPr lang="en-US" dirty="0"/>
+              <a:t> is possibly less than </a:t>
+            </a:r>
+            <a:r>
+              <a:rPr lang="en-US" dirty="0" err="1"/>
+              <a:t>r</a:t>
+            </a:r>
+            <a:r>
+              <a:rPr lang="en-US" baseline="-25000" dirty="0" err="1"/>
+              <a:t>ij</a:t>
+            </a:r>
+            <a:endParaRPr lang="en-US" baseline="-25000" dirty="0"/>
+          </a:p>
+          <a:p>
+            <a:pPr marL="0" indent="0">
+              <a:buNone/>
+            </a:pPr>
+            <a:r>
+              <a:rPr lang="en-US" dirty="0"/>
+              <a:t>	Assume in force is in exponential to </a:t>
+            </a:r>
+            <a:r>
+              <a:rPr lang="en-US" dirty="0" err="1"/>
+              <a:t>d</a:t>
+            </a:r>
+            <a:r>
+              <a:rPr lang="en-US" baseline="-25000" dirty="0" err="1"/>
+              <a:t>ij</a:t>
+            </a:r>
+            <a:r>
+              <a:rPr lang="en-US" dirty="0"/>
+              <a:t> </a:t>
+            </a:r>
+          </a:p>
+          <a:p>
+            <a:r>
+              <a:rPr lang="en-US" dirty="0"/>
+              <a:t>Fraction force in the tangential to </a:t>
+            </a:r>
+            <a:r>
+              <a:rPr lang="en-US" dirty="0" err="1"/>
+              <a:t>n</a:t>
+            </a:r>
+            <a:r>
+              <a:rPr lang="en-US" baseline="-25000" dirty="0" err="1"/>
+              <a:t>ij</a:t>
+            </a:r>
+            <a:r>
+              <a:rPr lang="en-US" dirty="0"/>
+              <a:t> (</a:t>
+            </a:r>
+            <a:r>
+              <a:rPr lang="en-US" dirty="0" err="1"/>
+              <a:t>n</a:t>
+            </a:r>
+            <a:r>
+              <a:rPr lang="en-US" baseline="-25000" dirty="0" err="1"/>
+              <a:t>ij</a:t>
+            </a:r>
+            <a:r>
+              <a:rPr lang="en-US" baseline="-25000" dirty="0"/>
+              <a:t> </a:t>
+            </a:r>
+            <a:r>
+              <a:rPr lang="en-US" dirty="0"/>
+              <a:t>⊥ </a:t>
+            </a:r>
+            <a:r>
+              <a:rPr lang="en-US" dirty="0" err="1"/>
+              <a:t>t</a:t>
+            </a:r>
+            <a:r>
+              <a:rPr lang="en-US" baseline="-25000" dirty="0" err="1"/>
+              <a:t>ij</a:t>
+            </a:r>
+            <a:r>
+              <a:rPr lang="en-US" dirty="0"/>
+              <a:t>)</a:t>
+            </a:r>
+          </a:p>
+          <a:p>
+            <a:pPr marL="0" indent="0">
+              <a:buNone/>
+            </a:pPr>
+            <a:r>
+              <a:rPr lang="en-US" dirty="0"/>
+              <a:t>	∆</a:t>
+            </a:r>
+            <a:r>
+              <a:rPr lang="en-US" dirty="0" err="1"/>
+              <a:t>vij</a:t>
+            </a:r>
+            <a:r>
+              <a:rPr lang="en-US" dirty="0"/>
+              <a:t>=(v</a:t>
+            </a:r>
+            <a:r>
+              <a:rPr lang="en-US" baseline="-25000" dirty="0"/>
+              <a:t>i</a:t>
+            </a:r>
+            <a:r>
+              <a:rPr lang="en-US" dirty="0"/>
+              <a:t>-</a:t>
+            </a:r>
+            <a:r>
+              <a:rPr lang="en-US" dirty="0" err="1"/>
+              <a:t>v</a:t>
+            </a:r>
+            <a:r>
+              <a:rPr lang="en-US" baseline="-25000" dirty="0" err="1"/>
+              <a:t>j</a:t>
+            </a:r>
+            <a:r>
+              <a:rPr lang="en-US" dirty="0"/>
+              <a:t>)∙</a:t>
+            </a:r>
+            <a:r>
+              <a:rPr lang="en-US" dirty="0" err="1"/>
+              <a:t>t</a:t>
+            </a:r>
+            <a:r>
+              <a:rPr lang="en-US" baseline="-25000" dirty="0" err="1"/>
+              <a:t>ij</a:t>
+            </a:r>
+            <a:r>
+              <a:rPr lang="en-US" dirty="0"/>
+              <a:t>  represents the velocity </a:t>
+            </a:r>
+          </a:p>
+          <a:p>
+            <a:pPr marL="0" indent="0">
+              <a:buNone/>
+            </a:pPr>
+            <a:r>
+              <a:rPr lang="en-US" dirty="0"/>
+              <a:t>	difference vector projection on </a:t>
+            </a:r>
+            <a:r>
+              <a:rPr lang="en-US" dirty="0" err="1"/>
+              <a:t>t</a:t>
+            </a:r>
+            <a:r>
+              <a:rPr lang="en-US" baseline="-25000" dirty="0" err="1"/>
+              <a:t>ij</a:t>
+            </a:r>
+            <a:r>
+              <a:rPr lang="en-US" dirty="0"/>
+              <a:t> </a:t>
+            </a:r>
+            <a:endParaRPr lang="en-US" baseline="-25000" dirty="0"/>
+          </a:p>
+          <a:p>
+            <a:endParaRPr lang="en-US" dirty="0"/>
+          </a:p>
+          <a:p>
+            <a:pPr marL="0" indent="0">
+              <a:buNone/>
+            </a:pPr>
+            <a:endParaRPr lang="en-US" dirty="0"/>
+          </a:p>
+          <a:p>
+            <a:pPr marL="0" indent="0">
+              <a:buNone/>
+            </a:pPr>
+            <a:endParaRPr lang="en-US" dirty="0"/>
+          </a:p>
+        </p:txBody>
+      </p:sp>
+      <p:pic>
+        <p:nvPicPr>
+          <p:cNvPr id="9" name="Picture 8">
+            <a:extLst>
+              <a:ext uri="{FF2B5EF4-FFF2-40B4-BE49-F238E27FC236}">
+                <a16:creationId xmlns:a16="http://schemas.microsoft.com/office/drawing/2014/main" id="{71BDABC7-A2D4-9B48-AD6F-79016482DDCE}"/>
+              </a:ext>
+            </a:extLst>
+          </p:cNvPr>
+          <p:cNvPicPr>
+            <a:picLocks noChangeAspect="1"/>
+          </p:cNvPicPr>
+          <p:nvPr/>
+        </p:nvPicPr>
+        <p:blipFill>
+          <a:blip r:embed="rId3"/>
+          <a:stretch>
+            <a:fillRect/>
+          </a:stretch>
+        </p:blipFill>
+        <p:spPr>
+          <a:xfrm>
+            <a:off x="838200" y="1419259"/>
+            <a:ext cx="8318500" cy="542858"/>
+          </a:xfrm>
+          <a:prstGeom prst="rect">
+            <a:avLst/>
+          </a:prstGeom>
+        </p:spPr>
+      </p:pic>
+      <p:sp>
+        <p:nvSpPr>
+          <p:cNvPr id="7" name="Oval 6">
+            <a:extLst>
+              <a:ext uri="{FF2B5EF4-FFF2-40B4-BE49-F238E27FC236}">
+                <a16:creationId xmlns:a16="http://schemas.microsoft.com/office/drawing/2014/main" id="{814281BD-DEEC-443E-A103-3D788214912D}"/>
+              </a:ext>
+            </a:extLst>
+          </p:cNvPr>
+          <p:cNvSpPr/>
+          <p:nvPr/>
+        </p:nvSpPr>
+        <p:spPr>
+          <a:xfrm>
+            <a:off x="9978680" y="4269493"/>
+            <a:ext cx="1375120" cy="1375120"/>
+          </a:xfrm>
+          <a:prstGeom prst="ellipse">
+            <a:avLst/>
+          </a:prstGeom>
+          <a:noFill/>
+          <a:ln w="28575">
+            <a:solidFill>
+              <a:schemeClr val="tx1"/>
+            </a:solidFill>
+          </a:ln>
+        </p:spPr>
+        <p:style>
+          <a:lnRef idx="2">
+            <a:schemeClr val="accent1">
+              <a:shade val="50000"/>
+            </a:schemeClr>
+          </a:lnRef>
+          <a:fillRef idx="1">
+            <a:schemeClr val="accent1"/>
+          </a:fillRef>
+          <a:effectRef idx="0">
+            <a:schemeClr val="accent1"/>
+          </a:effectRef>
+          <a:fontRef idx="minor">
+            <a:schemeClr val="lt1"/>
+          </a:fontRef>
+        </p:style>
+        <p:txBody>
+          <a:bodyPr rtlCol="0" anchor="ctr"/>
+          <a:lstStyle/>
+          <a:p>
+            <a:pPr algn="ctr"/>
+            <a:endParaRPr lang="en-US"/>
+          </a:p>
+        </p:txBody>
+      </p:sp>
+      <p:sp>
+        <p:nvSpPr>
+          <p:cNvPr id="8" name="Oval 7">
+            <a:extLst>
+              <a:ext uri="{FF2B5EF4-FFF2-40B4-BE49-F238E27FC236}">
+                <a16:creationId xmlns:a16="http://schemas.microsoft.com/office/drawing/2014/main" id="{3CCFD0C0-74CC-429E-B143-BB40AA901C02}"/>
+              </a:ext>
+            </a:extLst>
+          </p:cNvPr>
+          <p:cNvSpPr/>
+          <p:nvPr/>
+        </p:nvSpPr>
+        <p:spPr>
+          <a:xfrm>
+            <a:off x="8128401" y="4031787"/>
+            <a:ext cx="1850532" cy="1850532"/>
+          </a:xfrm>
+          <a:prstGeom prst="ellipse">
+            <a:avLst/>
+          </a:prstGeom>
+          <a:noFill/>
+          <a:ln w="28575">
+            <a:solidFill>
+              <a:schemeClr val="tx1"/>
+            </a:solidFill>
+          </a:ln>
+        </p:spPr>
+        <p:style>
+          <a:lnRef idx="2">
+            <a:schemeClr val="accent1">
+              <a:shade val="50000"/>
+            </a:schemeClr>
+          </a:lnRef>
+          <a:fillRef idx="1">
+            <a:schemeClr val="accent1"/>
+          </a:fillRef>
+          <a:effectRef idx="0">
+            <a:schemeClr val="accent1"/>
+          </a:effectRef>
+          <a:fontRef idx="minor">
+            <a:schemeClr val="lt1"/>
+          </a:fontRef>
+        </p:style>
+        <p:txBody>
+          <a:bodyPr rtlCol="0" anchor="ctr"/>
+          <a:lstStyle/>
+          <a:p>
+            <a:pPr algn="ctr"/>
+            <a:endParaRPr lang="en-US"/>
+          </a:p>
+        </p:txBody>
+      </p:sp>
+      <p:cxnSp>
+        <p:nvCxnSpPr>
+          <p:cNvPr id="10" name="Straight Arrow Connector 9">
+            <a:extLst>
+              <a:ext uri="{FF2B5EF4-FFF2-40B4-BE49-F238E27FC236}">
+                <a16:creationId xmlns:a16="http://schemas.microsoft.com/office/drawing/2014/main" id="{F6E12A1B-4DE4-4884-B75B-0A58AFD596E3}"/>
+              </a:ext>
+            </a:extLst>
+          </p:cNvPr>
+          <p:cNvCxnSpPr>
+            <a:cxnSpLocks/>
+          </p:cNvCxnSpPr>
+          <p:nvPr/>
+        </p:nvCxnSpPr>
+        <p:spPr>
+          <a:xfrm flipH="1">
+            <a:off x="9027818" y="4969752"/>
+            <a:ext cx="950862" cy="0"/>
+          </a:xfrm>
+          <a:prstGeom prst="straightConnector1">
+            <a:avLst/>
+          </a:prstGeom>
+          <a:ln w="19050">
+            <a:solidFill>
+              <a:schemeClr val="tx1"/>
+            </a:solidFill>
+            <a:tailEnd type="triangle"/>
+          </a:ln>
+        </p:spPr>
+        <p:style>
+          <a:lnRef idx="1">
+            <a:schemeClr val="accent1"/>
+          </a:lnRef>
+          <a:fillRef idx="0">
+            <a:schemeClr val="accent1"/>
+          </a:fillRef>
+          <a:effectRef idx="0">
+            <a:schemeClr val="accent1"/>
+          </a:effectRef>
+          <a:fontRef idx="minor">
+            <a:schemeClr val="tx1"/>
+          </a:fontRef>
+        </p:style>
+      </p:cxnSp>
+      <p:cxnSp>
+        <p:nvCxnSpPr>
+          <p:cNvPr id="18" name="Straight Arrow Connector 17">
+            <a:extLst>
+              <a:ext uri="{FF2B5EF4-FFF2-40B4-BE49-F238E27FC236}">
+                <a16:creationId xmlns:a16="http://schemas.microsoft.com/office/drawing/2014/main" id="{B848ACDA-EBAF-4E05-AA02-DCBB7DAD9FA7}"/>
+              </a:ext>
+            </a:extLst>
+          </p:cNvPr>
+          <p:cNvCxnSpPr>
+            <a:cxnSpLocks/>
+          </p:cNvCxnSpPr>
+          <p:nvPr/>
+        </p:nvCxnSpPr>
+        <p:spPr>
+          <a:xfrm>
+            <a:off x="8823721" y="3884115"/>
+            <a:ext cx="568996" cy="0"/>
+          </a:xfrm>
+          <a:prstGeom prst="straightConnector1">
+            <a:avLst/>
+          </a:prstGeom>
+          <a:ln w="19050">
+            <a:solidFill>
+              <a:schemeClr val="tx1"/>
+            </a:solidFill>
+            <a:tailEnd type="triangle"/>
+          </a:ln>
+        </p:spPr>
+        <p:style>
+          <a:lnRef idx="1">
+            <a:schemeClr val="accent1"/>
+          </a:lnRef>
+          <a:fillRef idx="0">
+            <a:schemeClr val="accent1"/>
+          </a:fillRef>
+          <a:effectRef idx="0">
+            <a:schemeClr val="accent1"/>
+          </a:effectRef>
+          <a:fontRef idx="minor">
+            <a:schemeClr val="tx1"/>
+          </a:fontRef>
+        </p:style>
+      </p:cxnSp>
+      <p:cxnSp>
+        <p:nvCxnSpPr>
+          <p:cNvPr id="20" name="Straight Arrow Connector 19">
+            <a:extLst>
+              <a:ext uri="{FF2B5EF4-FFF2-40B4-BE49-F238E27FC236}">
+                <a16:creationId xmlns:a16="http://schemas.microsoft.com/office/drawing/2014/main" id="{34995587-FA17-4596-8372-875914A4911D}"/>
+              </a:ext>
+            </a:extLst>
+          </p:cNvPr>
+          <p:cNvCxnSpPr>
+            <a:cxnSpLocks/>
+          </p:cNvCxnSpPr>
+          <p:nvPr/>
+        </p:nvCxnSpPr>
+        <p:spPr>
+          <a:xfrm flipH="1" flipV="1">
+            <a:off x="10422135" y="4112198"/>
+            <a:ext cx="488210" cy="2704"/>
+          </a:xfrm>
+          <a:prstGeom prst="straightConnector1">
+            <a:avLst/>
+          </a:prstGeom>
+          <a:ln w="19050">
+            <a:solidFill>
+              <a:schemeClr val="tx1"/>
+            </a:solidFill>
+            <a:tailEnd type="triangle"/>
+          </a:ln>
+        </p:spPr>
+        <p:style>
+          <a:lnRef idx="1">
+            <a:schemeClr val="accent1"/>
+          </a:lnRef>
+          <a:fillRef idx="0">
+            <a:schemeClr val="accent1"/>
+          </a:fillRef>
+          <a:effectRef idx="0">
+            <a:schemeClr val="accent1"/>
+          </a:effectRef>
+          <a:fontRef idx="minor">
+            <a:schemeClr val="tx1"/>
+          </a:fontRef>
+        </p:style>
+      </p:cxnSp>
+      <p:sp>
+        <p:nvSpPr>
+          <p:cNvPr id="22" name="TextBox 21">
+            <a:extLst>
+              <a:ext uri="{FF2B5EF4-FFF2-40B4-BE49-F238E27FC236}">
+                <a16:creationId xmlns:a16="http://schemas.microsoft.com/office/drawing/2014/main" id="{0B6DF491-0431-4A68-8F99-375249944B5D}"/>
+              </a:ext>
+            </a:extLst>
+          </p:cNvPr>
+          <p:cNvSpPr txBox="1"/>
+          <p:nvPr/>
+        </p:nvSpPr>
+        <p:spPr>
+          <a:xfrm>
+            <a:off x="10480933" y="3699449"/>
+            <a:ext cx="370614" cy="369332"/>
+          </a:xfrm>
+          <a:prstGeom prst="rect">
+            <a:avLst/>
+          </a:prstGeom>
+          <a:noFill/>
+        </p:spPr>
+        <p:txBody>
+          <a:bodyPr wrap="none" rtlCol="0">
+            <a:spAutoFit/>
+          </a:bodyPr>
+          <a:lstStyle/>
+          <a:p>
+            <a:r>
+              <a:rPr lang="en-US" dirty="0" err="1"/>
+              <a:t>Vj</a:t>
+            </a:r>
+            <a:endParaRPr lang="en-US" dirty="0"/>
+          </a:p>
+        </p:txBody>
+      </p:sp>
+      <p:sp>
+        <p:nvSpPr>
+          <p:cNvPr id="25" name="TextBox 24">
+            <a:extLst>
+              <a:ext uri="{FF2B5EF4-FFF2-40B4-BE49-F238E27FC236}">
+                <a16:creationId xmlns:a16="http://schemas.microsoft.com/office/drawing/2014/main" id="{AA9BDAC0-D87C-4190-A12F-F05FF345300B}"/>
+              </a:ext>
+            </a:extLst>
+          </p:cNvPr>
+          <p:cNvSpPr txBox="1"/>
+          <p:nvPr/>
+        </p:nvSpPr>
+        <p:spPr>
+          <a:xfrm>
+            <a:off x="8923713" y="3478108"/>
+            <a:ext cx="369012" cy="369332"/>
+          </a:xfrm>
+          <a:prstGeom prst="rect">
+            <a:avLst/>
+          </a:prstGeom>
+          <a:noFill/>
+        </p:spPr>
+        <p:txBody>
+          <a:bodyPr wrap="none" rtlCol="0">
+            <a:spAutoFit/>
+          </a:bodyPr>
+          <a:lstStyle/>
+          <a:p>
+            <a:r>
+              <a:rPr lang="en-US" dirty="0"/>
+              <a:t>Vi</a:t>
+            </a:r>
+          </a:p>
+        </p:txBody>
+      </p:sp>
+      <p:cxnSp>
+        <p:nvCxnSpPr>
+          <p:cNvPr id="32" name="Straight Arrow Connector 31">
+            <a:extLst>
+              <a:ext uri="{FF2B5EF4-FFF2-40B4-BE49-F238E27FC236}">
+                <a16:creationId xmlns:a16="http://schemas.microsoft.com/office/drawing/2014/main" id="{46984E34-4292-4323-8F6C-284E6856ED02}"/>
+              </a:ext>
+            </a:extLst>
+          </p:cNvPr>
+          <p:cNvCxnSpPr>
+            <a:cxnSpLocks/>
+          </p:cNvCxnSpPr>
+          <p:nvPr/>
+        </p:nvCxnSpPr>
+        <p:spPr>
+          <a:xfrm>
+            <a:off x="9978680" y="5064209"/>
+            <a:ext cx="0" cy="879386"/>
+          </a:xfrm>
+          <a:prstGeom prst="straightConnector1">
+            <a:avLst/>
+          </a:prstGeom>
+          <a:ln w="19050">
+            <a:solidFill>
+              <a:schemeClr val="tx1"/>
+            </a:solidFill>
+            <a:tailEnd type="triangle"/>
+          </a:ln>
+        </p:spPr>
+        <p:style>
+          <a:lnRef idx="1">
+            <a:schemeClr val="accent1"/>
+          </a:lnRef>
+          <a:fillRef idx="0">
+            <a:schemeClr val="accent1"/>
+          </a:fillRef>
+          <a:effectRef idx="0">
+            <a:schemeClr val="accent1"/>
+          </a:effectRef>
+          <a:fontRef idx="minor">
+            <a:schemeClr val="tx1"/>
+          </a:fontRef>
+        </p:style>
+      </p:cxnSp>
+      <p:sp>
+        <p:nvSpPr>
+          <p:cNvPr id="36" name="TextBox 35">
+            <a:extLst>
+              <a:ext uri="{FF2B5EF4-FFF2-40B4-BE49-F238E27FC236}">
+                <a16:creationId xmlns:a16="http://schemas.microsoft.com/office/drawing/2014/main" id="{8A2E0893-5D91-4C66-8CC1-FDD3DAE90D46}"/>
+              </a:ext>
+            </a:extLst>
+          </p:cNvPr>
+          <p:cNvSpPr txBox="1"/>
+          <p:nvPr/>
+        </p:nvSpPr>
+        <p:spPr>
+          <a:xfrm>
+            <a:off x="9287365" y="4578696"/>
+            <a:ext cx="378630" cy="369332"/>
+          </a:xfrm>
+          <a:prstGeom prst="rect">
+            <a:avLst/>
+          </a:prstGeom>
+          <a:noFill/>
+        </p:spPr>
+        <p:txBody>
+          <a:bodyPr wrap="none" rtlCol="0">
+            <a:spAutoFit/>
+          </a:bodyPr>
+          <a:lstStyle/>
+          <a:p>
+            <a:r>
+              <a:rPr lang="en-US" b="1" dirty="0" err="1"/>
+              <a:t>n</a:t>
+            </a:r>
+            <a:r>
+              <a:rPr lang="en-US" baseline="-25000" dirty="0" err="1"/>
+              <a:t>ij</a:t>
+            </a:r>
+            <a:endParaRPr lang="en-US" baseline="-25000" dirty="0"/>
+          </a:p>
+        </p:txBody>
+      </p:sp>
+      <p:sp>
+        <p:nvSpPr>
+          <p:cNvPr id="37" name="TextBox 36">
+            <a:extLst>
+              <a:ext uri="{FF2B5EF4-FFF2-40B4-BE49-F238E27FC236}">
+                <a16:creationId xmlns:a16="http://schemas.microsoft.com/office/drawing/2014/main" id="{63ED19EB-3AAC-449A-B353-67C6534A84B4}"/>
+              </a:ext>
+            </a:extLst>
+          </p:cNvPr>
+          <p:cNvSpPr txBox="1"/>
+          <p:nvPr/>
+        </p:nvSpPr>
+        <p:spPr>
+          <a:xfrm>
+            <a:off x="9978933" y="5578800"/>
+            <a:ext cx="333746" cy="369332"/>
+          </a:xfrm>
+          <a:prstGeom prst="rect">
+            <a:avLst/>
+          </a:prstGeom>
+          <a:noFill/>
+        </p:spPr>
+        <p:txBody>
+          <a:bodyPr wrap="none" rtlCol="0">
+            <a:spAutoFit/>
+          </a:bodyPr>
+          <a:lstStyle/>
+          <a:p>
+            <a:r>
+              <a:rPr lang="en-US" b="1" dirty="0" err="1"/>
+              <a:t>t</a:t>
+            </a:r>
+            <a:r>
+              <a:rPr lang="en-US" baseline="-25000" dirty="0" err="1"/>
+              <a:t>ij</a:t>
+            </a:r>
+            <a:endParaRPr lang="en-US" baseline="-25000" dirty="0"/>
+          </a:p>
+        </p:txBody>
+      </p:sp>
+      <p:sp>
+        <p:nvSpPr>
+          <p:cNvPr id="38" name="TextBox 37">
+            <a:extLst>
+              <a:ext uri="{FF2B5EF4-FFF2-40B4-BE49-F238E27FC236}">
+                <a16:creationId xmlns:a16="http://schemas.microsoft.com/office/drawing/2014/main" id="{1CC5C439-D647-432A-A1FF-13436D52BD82}"/>
+              </a:ext>
+            </a:extLst>
+          </p:cNvPr>
+          <p:cNvSpPr txBox="1"/>
+          <p:nvPr/>
+        </p:nvSpPr>
+        <p:spPr>
+          <a:xfrm>
+            <a:off x="8923713" y="6154356"/>
+            <a:ext cx="2197396" cy="369332"/>
+          </a:xfrm>
+          <a:prstGeom prst="rect">
+            <a:avLst/>
+          </a:prstGeom>
+          <a:noFill/>
+        </p:spPr>
+        <p:txBody>
+          <a:bodyPr wrap="none" rtlCol="0">
+            <a:spAutoFit/>
+          </a:bodyPr>
+          <a:lstStyle/>
+          <a:p>
+            <a:r>
+              <a:rPr lang="en-US" dirty="0"/>
+              <a:t>When </a:t>
+            </a:r>
+            <a:r>
+              <a:rPr lang="en-US" dirty="0" err="1"/>
+              <a:t>i</a:t>
+            </a:r>
+            <a:r>
+              <a:rPr lang="en-US" dirty="0"/>
+              <a:t> and j touched</a:t>
+            </a:r>
+          </a:p>
+        </p:txBody>
+      </p:sp>
+      <p:sp>
+        <p:nvSpPr>
+          <p:cNvPr id="40" name="TextBox 39">
+            <a:extLst>
+              <a:ext uri="{FF2B5EF4-FFF2-40B4-BE49-F238E27FC236}">
+                <a16:creationId xmlns:a16="http://schemas.microsoft.com/office/drawing/2014/main" id="{B5E48BF6-A291-4EE9-B607-8824C8E1ADF3}"/>
+              </a:ext>
+            </a:extLst>
+          </p:cNvPr>
+          <p:cNvSpPr txBox="1"/>
+          <p:nvPr/>
+        </p:nvSpPr>
+        <p:spPr>
+          <a:xfrm>
+            <a:off x="8934758" y="5394134"/>
+            <a:ext cx="237566" cy="369332"/>
+          </a:xfrm>
+          <a:prstGeom prst="rect">
+            <a:avLst/>
+          </a:prstGeom>
+          <a:noFill/>
+        </p:spPr>
+        <p:txBody>
+          <a:bodyPr wrap="none" rtlCol="0">
+            <a:spAutoFit/>
+          </a:bodyPr>
+          <a:lstStyle/>
+          <a:p>
+            <a:r>
+              <a:rPr lang="en-US" dirty="0" err="1"/>
+              <a:t>i</a:t>
+            </a:r>
+            <a:endParaRPr lang="en-US" dirty="0"/>
+          </a:p>
+        </p:txBody>
+      </p:sp>
+      <p:sp>
+        <p:nvSpPr>
+          <p:cNvPr id="41" name="TextBox 40">
+            <a:extLst>
+              <a:ext uri="{FF2B5EF4-FFF2-40B4-BE49-F238E27FC236}">
+                <a16:creationId xmlns:a16="http://schemas.microsoft.com/office/drawing/2014/main" id="{6F8846F2-1374-4DE6-BFE9-33E1E1D983B9}"/>
+              </a:ext>
+            </a:extLst>
+          </p:cNvPr>
+          <p:cNvSpPr txBox="1"/>
+          <p:nvPr/>
+        </p:nvSpPr>
+        <p:spPr>
+          <a:xfrm>
+            <a:off x="10556069" y="5275281"/>
+            <a:ext cx="239168" cy="369332"/>
+          </a:xfrm>
+          <a:prstGeom prst="rect">
+            <a:avLst/>
+          </a:prstGeom>
+          <a:noFill/>
+        </p:spPr>
+        <p:txBody>
+          <a:bodyPr wrap="none" rtlCol="0">
+            <a:spAutoFit/>
+          </a:bodyPr>
+          <a:lstStyle/>
+          <a:p>
+            <a:r>
+              <a:rPr lang="en-US" dirty="0"/>
+              <a:t>j</a:t>
+            </a:r>
+          </a:p>
+        </p:txBody>
+      </p:sp>
+    </p:spTree>
+    <p:extLst>
+      <p:ext uri="{BB962C8B-B14F-4D97-AF65-F5344CB8AC3E}">
+        <p14:creationId xmlns:p14="http://schemas.microsoft.com/office/powerpoint/2010/main" val="256036874"/>
+      </p:ext>
+    </p:extLst>
+  </p:cSld>
+  <p:clrMapOvr>
+    <a:masterClrMapping/>
+  </p:clrMapOvr>
+</p:sld>
+</file>
+
+<file path=ppt/slides/slide6.xml><?xml version="1.0" encoding="utf-8"?>
+<p:sld xmlns:a="http://schemas.openxmlformats.org/drawingml/2006/main" xmlns:r="http://schemas.openxmlformats.org/officeDocument/2006/relationships" xmlns:p="http://schemas.openxmlformats.org/presentationml/2006/main">
+  <p:cSld>
+    <p:spTree>
+      <p:nvGrpSpPr>
+        <p:cNvPr id="1" name=""/>
+        <p:cNvGrpSpPr/>
+        <p:nvPr/>
+      </p:nvGrpSpPr>
+      <p:grpSpPr>
+        <a:xfrm>
+          <a:off x="0" y="0"/>
+          <a:ext cx="0" cy="0"/>
+          <a:chOff x="0" y="0"/>
+          <a:chExt cx="0" cy="0"/>
+        </a:xfrm>
+      </p:grpSpPr>
+      <p:sp>
+        <p:nvSpPr>
+          <p:cNvPr id="2" name="Title 1">
+            <a:extLst>
+              <a:ext uri="{FF2B5EF4-FFF2-40B4-BE49-F238E27FC236}">
+                <a16:creationId xmlns:a16="http://schemas.microsoft.com/office/drawing/2014/main" id="{A5108C18-0673-DE41-80FD-2171E8DABBAA}"/>
+              </a:ext>
+            </a:extLst>
+          </p:cNvPr>
+          <p:cNvSpPr>
+            <a:spLocks noGrp="1"/>
+          </p:cNvSpPr>
+          <p:nvPr>
+            <p:ph type="title"/>
+          </p:nvPr>
+        </p:nvSpPr>
+        <p:spPr/>
+        <p:txBody>
+          <a:bodyPr/>
+          <a:lstStyle/>
+          <a:p>
+            <a:r>
+              <a:rPr lang="en-US" dirty="0"/>
+              <a:t>Physical Forces </a:t>
+            </a:r>
+            <a:r>
+              <a:rPr lang="en-US" dirty="0" err="1"/>
+              <a:t>f</a:t>
+            </a:r>
+            <a:r>
+              <a:rPr lang="en-US" baseline="-25000" dirty="0" err="1"/>
+              <a:t>iw</a:t>
+            </a:r>
+            <a:endParaRPr lang="en-US" baseline="-25000" dirty="0"/>
+          </a:p>
+        </p:txBody>
+      </p:sp>
+      <p:sp>
+        <p:nvSpPr>
+          <p:cNvPr id="3" name="Content Placeholder 2">
+            <a:extLst>
+              <a:ext uri="{FF2B5EF4-FFF2-40B4-BE49-F238E27FC236}">
+                <a16:creationId xmlns:a16="http://schemas.microsoft.com/office/drawing/2014/main" id="{AFAF1381-3646-4C4E-9389-EDA5CBE33FA5}"/>
+              </a:ext>
+            </a:extLst>
+          </p:cNvPr>
+          <p:cNvSpPr>
+            <a:spLocks noGrp="1"/>
+          </p:cNvSpPr>
+          <p:nvPr>
+            <p:ph idx="1"/>
+          </p:nvPr>
+        </p:nvSpPr>
+        <p:spPr>
+          <a:xfrm>
+            <a:off x="838200" y="3429000"/>
+            <a:ext cx="10515600" cy="2330728"/>
+          </a:xfrm>
+        </p:spPr>
+        <p:txBody>
+          <a:bodyPr>
+            <a:normAutofit/>
+          </a:bodyPr>
+          <a:lstStyle/>
+          <a:p>
+            <a:r>
+              <a:rPr lang="en-US" dirty="0"/>
+              <a:t>Analogously ,</a:t>
+            </a:r>
+            <a:r>
+              <a:rPr lang="en-US" dirty="0" err="1"/>
+              <a:t>f</a:t>
+            </a:r>
+            <a:r>
+              <a:rPr lang="en-US" baseline="-25000" dirty="0" err="1"/>
+              <a:t>iW</a:t>
+            </a:r>
+            <a:r>
+              <a:rPr lang="en-US" dirty="0"/>
+              <a:t> is the ‘interaction forces’  between person </a:t>
+            </a:r>
+            <a:r>
+              <a:rPr lang="en-US" dirty="0" err="1"/>
+              <a:t>i</a:t>
+            </a:r>
+            <a:r>
+              <a:rPr lang="en-US" dirty="0"/>
+              <a:t> and the wall, represented in a unit basis (</a:t>
+            </a:r>
+            <a:r>
+              <a:rPr lang="en-US" dirty="0" err="1"/>
+              <a:t>n</a:t>
+            </a:r>
+            <a:r>
+              <a:rPr lang="en-US" baseline="-25000" dirty="0" err="1"/>
+              <a:t>iW</a:t>
+            </a:r>
+            <a:r>
+              <a:rPr lang="en-US" baseline="-25000" dirty="0"/>
+              <a:t> </a:t>
+            </a:r>
+            <a:r>
+              <a:rPr lang="en-US" dirty="0"/>
+              <a:t>,</a:t>
+            </a:r>
+            <a:r>
+              <a:rPr lang="en-US" dirty="0" err="1"/>
+              <a:t>t</a:t>
+            </a:r>
+            <a:r>
+              <a:rPr lang="en-US" baseline="-25000" dirty="0" err="1"/>
+              <a:t>iW</a:t>
+            </a:r>
+            <a:r>
+              <a:rPr lang="en-US" dirty="0"/>
+              <a:t>)</a:t>
+            </a:r>
+          </a:p>
+          <a:p>
+            <a:r>
+              <a:rPr lang="en-US" dirty="0"/>
+              <a:t>Using the same constants to calculate the repulsive and fraction forces.</a:t>
+            </a:r>
+          </a:p>
+        </p:txBody>
+      </p:sp>
+      <p:pic>
+        <p:nvPicPr>
+          <p:cNvPr id="5" name="Picture 4" descr="A close up of a logo&#10;&#10;Description automatically generated">
+            <a:extLst>
+              <a:ext uri="{FF2B5EF4-FFF2-40B4-BE49-F238E27FC236}">
+                <a16:creationId xmlns:a16="http://schemas.microsoft.com/office/drawing/2014/main" id="{4CE3047A-26B1-8A40-BDEE-7802F7AB4983}"/>
+              </a:ext>
+            </a:extLst>
+          </p:cNvPr>
+          <p:cNvPicPr>
+            <a:picLocks noChangeAspect="1"/>
+          </p:cNvPicPr>
+          <p:nvPr/>
+        </p:nvPicPr>
+        <p:blipFill rotWithShape="1">
+          <a:blip r:embed="rId2"/>
+          <a:srcRect l="16362" t="1124" b="1"/>
+          <a:stretch/>
+        </p:blipFill>
+        <p:spPr>
+          <a:xfrm>
+            <a:off x="1205845" y="1440190"/>
+            <a:ext cx="8318500" cy="1649347"/>
+          </a:xfrm>
+          <a:prstGeom prst="rect">
+            <a:avLst/>
+          </a:prstGeom>
+        </p:spPr>
+      </p:pic>
+    </p:spTree>
+    <p:extLst>
+      <p:ext uri="{BB962C8B-B14F-4D97-AF65-F5344CB8AC3E}">
+        <p14:creationId xmlns:p14="http://schemas.microsoft.com/office/powerpoint/2010/main" val="2082575769"/>
+      </p:ext>
+    </p:extLst>
+  </p:cSld>
+  <p:clrMapOvr>
+    <a:masterClrMapping/>
+  </p:clrMapOvr>
+</p:sld>
+</file>
+
+<file path=ppt/slides/slide7.xml><?xml version="1.0" encoding="utf-8"?>
+<p:sld xmlns:a="http://schemas.openxmlformats.org/drawingml/2006/main" xmlns:r="http://schemas.openxmlformats.org/officeDocument/2006/relationships" xmlns:p="http://schemas.openxmlformats.org/presentationml/2006/main">
+  <p:cSld>
+    <p:spTree>
+      <p:nvGrpSpPr>
+        <p:cNvPr id="1" name=""/>
+        <p:cNvGrpSpPr/>
+        <p:nvPr/>
+      </p:nvGrpSpPr>
+      <p:grpSpPr>
+        <a:xfrm>
+          <a:off x="0" y="0"/>
+          <a:ext cx="0" cy="0"/>
+          <a:chOff x="0" y="0"/>
+          <a:chExt cx="0" cy="0"/>
+        </a:xfrm>
+      </p:grpSpPr>
+      <p:sp>
+        <p:nvSpPr>
+          <p:cNvPr id="2" name="Title 1">
+            <a:extLst>
+              <a:ext uri="{FF2B5EF4-FFF2-40B4-BE49-F238E27FC236}">
+                <a16:creationId xmlns:a16="http://schemas.microsoft.com/office/drawing/2014/main" id="{FC848FDC-1F54-294D-A496-FC00122590F8}"/>
+              </a:ext>
+            </a:extLst>
+          </p:cNvPr>
+          <p:cNvSpPr>
+            <a:spLocks noGrp="1"/>
+          </p:cNvSpPr>
+          <p:nvPr>
+            <p:ph type="title"/>
+          </p:nvPr>
+        </p:nvSpPr>
+        <p:spPr/>
+        <p:txBody>
+          <a:bodyPr/>
+          <a:lstStyle/>
+          <a:p>
+            <a:r>
+              <a:rPr lang="en-US" dirty="0"/>
+              <a:t>Desire direction</a:t>
+            </a:r>
+          </a:p>
+        </p:txBody>
+      </p:sp>
+      <p:sp>
+        <p:nvSpPr>
+          <p:cNvPr id="3" name="Content Placeholder 2">
+            <a:extLst>
+              <a:ext uri="{FF2B5EF4-FFF2-40B4-BE49-F238E27FC236}">
+                <a16:creationId xmlns:a16="http://schemas.microsoft.com/office/drawing/2014/main" id="{A1372F93-2E5A-0E48-AA98-B93140C647EE}"/>
+              </a:ext>
+            </a:extLst>
+          </p:cNvPr>
+          <p:cNvSpPr>
+            <a:spLocks noGrp="1"/>
+          </p:cNvSpPr>
+          <p:nvPr>
+            <p:ph idx="1"/>
+          </p:nvPr>
+        </p:nvSpPr>
+        <p:spPr>
+          <a:xfrm>
+            <a:off x="1273596" y="1690687"/>
+            <a:ext cx="9644807" cy="4802187"/>
+          </a:xfrm>
+        </p:spPr>
+        <p:txBody>
+          <a:bodyPr>
+            <a:normAutofit/>
+          </a:bodyPr>
+          <a:lstStyle/>
+          <a:p>
+            <a:r>
+              <a:rPr lang="en-US" dirty="0"/>
+              <a:t>In smoky room, pedestrian has a limited virtual range R</a:t>
+            </a:r>
+            <a:r>
+              <a:rPr lang="en-US" baseline="-25000" dirty="0"/>
+              <a:t>i</a:t>
+            </a:r>
+          </a:p>
+          <a:p>
+            <a:r>
+              <a:rPr lang="en-US" dirty="0" err="1"/>
+              <a:t>e</a:t>
+            </a:r>
+            <a:r>
+              <a:rPr lang="en-US" baseline="-25000" dirty="0" err="1"/>
+              <a:t>i</a:t>
+            </a:r>
+            <a:r>
+              <a:rPr lang="en-US" dirty="0"/>
+              <a:t> represents the desire direction</a:t>
+            </a:r>
+          </a:p>
+          <a:p>
+            <a:pPr lvl="1"/>
+            <a:r>
+              <a:rPr lang="en-US" dirty="0"/>
+              <a:t>Initially individuals moving in a random direction</a:t>
+            </a:r>
+          </a:p>
+          <a:p>
+            <a:pPr lvl="1"/>
+            <a:r>
+              <a:rPr lang="en-US" dirty="0"/>
+              <a:t>When the exit is in his/her sight (d&lt;R</a:t>
+            </a:r>
+            <a:r>
+              <a:rPr lang="en-US" baseline="-25000" dirty="0"/>
+              <a:t>i</a:t>
+            </a:r>
+            <a:r>
+              <a:rPr lang="en-US" dirty="0"/>
+              <a:t>), </a:t>
+            </a:r>
+            <a:r>
+              <a:rPr lang="en-US" dirty="0" err="1"/>
+              <a:t>e</a:t>
+            </a:r>
+            <a:r>
+              <a:rPr lang="en-US" baseline="-25000" dirty="0" err="1"/>
+              <a:t>i</a:t>
+            </a:r>
+            <a:r>
+              <a:rPr lang="en-US" dirty="0"/>
+              <a:t> is pointing to the exit</a:t>
+            </a:r>
+          </a:p>
+          <a:p>
+            <a:pPr lvl="1"/>
+            <a:endParaRPr lang="en-US" dirty="0"/>
+          </a:p>
+          <a:p>
+            <a:pPr lvl="1"/>
+            <a:endParaRPr lang="en-US" dirty="0"/>
+          </a:p>
+          <a:p>
+            <a:pPr marL="457200" lvl="1" indent="0">
+              <a:buNone/>
+            </a:pPr>
+            <a:endParaRPr lang="en-US" dirty="0"/>
+          </a:p>
+          <a:p>
+            <a:pPr lvl="1"/>
+            <a:r>
+              <a:rPr lang="en-US" dirty="0">
+                <a:solidFill>
+                  <a:prstClr val="white"/>
+                </a:solidFill>
+              </a:rPr>
+              <a:t>When other </a:t>
+            </a:r>
+            <a:r>
+              <a:rPr lang="en-US" dirty="0"/>
+              <a:t>individuals</a:t>
+            </a:r>
+            <a:r>
+              <a:rPr lang="en-US" dirty="0">
+                <a:solidFill>
+                  <a:prstClr val="white"/>
+                </a:solidFill>
+              </a:rPr>
+              <a:t> show up in </a:t>
+            </a:r>
+            <a:r>
+              <a:rPr lang="en-US" dirty="0"/>
+              <a:t>his/her</a:t>
+            </a:r>
+            <a:r>
+              <a:rPr lang="en-US" dirty="0">
+                <a:solidFill>
+                  <a:prstClr val="white"/>
+                </a:solidFill>
+              </a:rPr>
+              <a:t> sight (</a:t>
+            </a:r>
+            <a:r>
+              <a:rPr lang="en-US" dirty="0" err="1">
+                <a:solidFill>
+                  <a:prstClr val="white"/>
+                </a:solidFill>
+              </a:rPr>
+              <a:t>dij</a:t>
+            </a:r>
+            <a:r>
+              <a:rPr lang="en-US" dirty="0">
+                <a:solidFill>
+                  <a:prstClr val="white"/>
+                </a:solidFill>
+              </a:rPr>
+              <a:t>&lt;R</a:t>
+            </a:r>
+            <a:r>
+              <a:rPr lang="en-US" baseline="-25000" dirty="0">
+                <a:solidFill>
+                  <a:prstClr val="white"/>
+                </a:solidFill>
+              </a:rPr>
+              <a:t>i</a:t>
+            </a:r>
+            <a:r>
+              <a:rPr lang="en-US" dirty="0">
+                <a:solidFill>
+                  <a:prstClr val="white"/>
+                </a:solidFill>
+              </a:rPr>
+              <a:t>), </a:t>
+            </a:r>
+            <a:r>
+              <a:rPr lang="en-US" dirty="0"/>
+              <a:t>the individual </a:t>
+            </a:r>
+            <a:r>
+              <a:rPr lang="en-US" dirty="0">
+                <a:solidFill>
+                  <a:prstClr val="white"/>
+                </a:solidFill>
+              </a:rPr>
+              <a:t>will follow the others average direction (&lt;</a:t>
+            </a:r>
+            <a:r>
+              <a:rPr lang="en-US" dirty="0" err="1">
+                <a:solidFill>
+                  <a:prstClr val="white"/>
+                </a:solidFill>
+              </a:rPr>
+              <a:t>e</a:t>
+            </a:r>
+            <a:r>
+              <a:rPr lang="en-US" baseline="-25000" dirty="0" err="1">
+                <a:solidFill>
+                  <a:prstClr val="white"/>
+                </a:solidFill>
+              </a:rPr>
+              <a:t>j</a:t>
+            </a:r>
+            <a:r>
+              <a:rPr lang="en-US" dirty="0">
+                <a:solidFill>
+                  <a:prstClr val="white"/>
+                </a:solidFill>
+              </a:rPr>
+              <a:t>&gt;) with a fraction p</a:t>
+            </a:r>
+            <a:r>
+              <a:rPr lang="en-US" baseline="-25000" dirty="0">
+                <a:solidFill>
+                  <a:prstClr val="white"/>
+                </a:solidFill>
+              </a:rPr>
+              <a:t>i</a:t>
+            </a:r>
+            <a:r>
+              <a:rPr lang="en-US" dirty="0">
+                <a:solidFill>
+                  <a:prstClr val="white"/>
+                </a:solidFill>
+              </a:rPr>
+              <a:t>.</a:t>
+            </a:r>
+          </a:p>
+          <a:p>
+            <a:pPr marL="457200" lvl="1" indent="0">
+              <a:buNone/>
+            </a:pPr>
+            <a:r>
+              <a:rPr lang="en-US" dirty="0">
+                <a:solidFill>
+                  <a:prstClr val="white"/>
+                </a:solidFill>
+              </a:rPr>
+              <a:t>	p</a:t>
+            </a:r>
+            <a:r>
+              <a:rPr lang="en-US" baseline="-25000" dirty="0">
+                <a:solidFill>
+                  <a:prstClr val="white"/>
+                </a:solidFill>
+              </a:rPr>
+              <a:t>i</a:t>
+            </a:r>
+            <a:r>
+              <a:rPr lang="en-US" dirty="0">
+                <a:solidFill>
+                  <a:prstClr val="white"/>
+                </a:solidFill>
+              </a:rPr>
+              <a:t> describes the degree of panic of individual </a:t>
+            </a:r>
+            <a:r>
+              <a:rPr lang="en-US" dirty="0" err="1">
+                <a:solidFill>
+                  <a:prstClr val="white"/>
+                </a:solidFill>
+              </a:rPr>
+              <a:t>i</a:t>
+            </a:r>
+            <a:r>
+              <a:rPr lang="en-US" dirty="0">
+                <a:solidFill>
+                  <a:prstClr val="white"/>
+                </a:solidFill>
+              </a:rPr>
+              <a:t> </a:t>
+            </a:r>
+            <a:endParaRPr lang="en-US" dirty="0"/>
+          </a:p>
+        </p:txBody>
+      </p:sp>
+      <p:pic>
+        <p:nvPicPr>
+          <p:cNvPr id="8" name="Picture 7">
+            <a:extLst>
+              <a:ext uri="{FF2B5EF4-FFF2-40B4-BE49-F238E27FC236}">
+                <a16:creationId xmlns:a16="http://schemas.microsoft.com/office/drawing/2014/main" id="{F64961E7-B74F-4EE2-A100-CC47D26D1E1C}"/>
+              </a:ext>
+            </a:extLst>
+          </p:cNvPr>
+          <p:cNvPicPr>
+            <a:picLocks noChangeAspect="1"/>
+          </p:cNvPicPr>
+          <p:nvPr/>
+        </p:nvPicPr>
+        <p:blipFill>
+          <a:blip r:embed="rId3"/>
+          <a:stretch>
+            <a:fillRect/>
+          </a:stretch>
+        </p:blipFill>
+        <p:spPr>
+          <a:xfrm>
+            <a:off x="1860549" y="3513841"/>
+            <a:ext cx="8470900" cy="1016000"/>
+          </a:xfrm>
+          <a:prstGeom prst="rect">
+            <a:avLst/>
+          </a:prstGeom>
+        </p:spPr>
+      </p:pic>
+    </p:spTree>
+    <p:extLst>
+      <p:ext uri="{BB962C8B-B14F-4D97-AF65-F5344CB8AC3E}">
+        <p14:creationId xmlns:p14="http://schemas.microsoft.com/office/powerpoint/2010/main" val="2393348570"/>
+      </p:ext>
+    </p:extLst>
+  </p:cSld>
+  <p:clrMapOvr>
+    <a:masterClrMapping/>
+  </p:clrMapOvr>
+</p:sld>
+</file>
+
+<file path=ppt/slides/slide8.xml><?xml version="1.0" encoding="utf-8"?>
+<p:sld xmlns:a="http://schemas.openxmlformats.org/drawingml/2006/main" xmlns:r="http://schemas.openxmlformats.org/officeDocument/2006/relationships" xmlns:p="http://schemas.openxmlformats.org/presentationml/2006/main">
+  <p:cSld>
+    <p:spTree>
+      <p:nvGrpSpPr>
+        <p:cNvPr id="1" name=""/>
+        <p:cNvGrpSpPr/>
+        <p:nvPr/>
+      </p:nvGrpSpPr>
+      <p:grpSpPr>
+        <a:xfrm>
+          <a:off x="0" y="0"/>
+          <a:ext cx="0" cy="0"/>
+          <a:chOff x="0" y="0"/>
+          <a:chExt cx="0" cy="0"/>
+        </a:xfrm>
+      </p:grpSpPr>
+      <p:sp>
+        <p:nvSpPr>
+          <p:cNvPr id="2" name="Title 1">
+            <a:extLst>
+              <a:ext uri="{FF2B5EF4-FFF2-40B4-BE49-F238E27FC236}">
+                <a16:creationId xmlns:a16="http://schemas.microsoft.com/office/drawing/2014/main" id="{E4C6F4CF-CF5A-2649-AF7C-8953E5BEC060}"/>
+              </a:ext>
+            </a:extLst>
+          </p:cNvPr>
+          <p:cNvSpPr>
+            <a:spLocks noGrp="1"/>
+          </p:cNvSpPr>
+          <p:nvPr>
+            <p:ph type="title"/>
+          </p:nvPr>
+        </p:nvSpPr>
+        <p:spPr/>
+        <p:txBody>
+          <a:bodyPr/>
+          <a:lstStyle/>
+          <a:p>
+            <a:r>
+              <a:rPr lang="en-US" dirty="0"/>
+              <a:t>Assumptions: herding</a:t>
+            </a:r>
+          </a:p>
+        </p:txBody>
+      </p:sp>
+      <p:sp>
+        <p:nvSpPr>
+          <p:cNvPr id="3" name="Content Placeholder 2">
+            <a:extLst>
+              <a:ext uri="{FF2B5EF4-FFF2-40B4-BE49-F238E27FC236}">
+                <a16:creationId xmlns:a16="http://schemas.microsoft.com/office/drawing/2014/main" id="{2FE0FCCB-C1DC-6A41-A824-006511742002}"/>
+              </a:ext>
+            </a:extLst>
+          </p:cNvPr>
+          <p:cNvSpPr>
+            <a:spLocks noGrp="1"/>
+          </p:cNvSpPr>
+          <p:nvPr>
+            <p:ph idx="1"/>
+          </p:nvPr>
+        </p:nvSpPr>
+        <p:spPr/>
+        <p:txBody>
+          <a:bodyPr/>
+          <a:lstStyle/>
+          <a:p>
+            <a:r>
+              <a:rPr lang="en-US" dirty="0"/>
+              <a:t>In an emergency situation, people often show the so-called collective ‘herding’ behavior, i.e. when undergo panic feelings, people tend to run and follow other running people. This behavior can be implemented </a:t>
+            </a:r>
+          </a:p>
+        </p:txBody>
+      </p:sp>
+    </p:spTree>
+    <p:extLst>
+      <p:ext uri="{BB962C8B-B14F-4D97-AF65-F5344CB8AC3E}">
+        <p14:creationId xmlns:p14="http://schemas.microsoft.com/office/powerpoint/2010/main" val="398902798"/>
+      </p:ext>
+    </p:extLst>
+  </p:cSld>
+  <p:clrMapOvr>
+    <a:masterClrMapping/>
+  </p:clrMapOvr>
+</p:sld>
+</file>
+
+<file path=ppt/slides/slide9.xml><?xml version="1.0" encoding="utf-8"?>
+<p:sld xmlns:a="http://schemas.openxmlformats.org/drawingml/2006/main" xmlns:r="http://schemas.openxmlformats.org/officeDocument/2006/relationships" xmlns:p="http://schemas.openxmlformats.org/presentationml/2006/main">
+  <p:cSld>
+    <p:spTree>
+      <p:nvGrpSpPr>
+        <p:cNvPr id="1" name=""/>
+        <p:cNvGrpSpPr/>
+        <p:nvPr/>
+      </p:nvGrpSpPr>
+      <p:grpSpPr>
+        <a:xfrm>
+          <a:off x="0" y="0"/>
+          <a:ext cx="0" cy="0"/>
+          <a:chOff x="0" y="0"/>
+          <a:chExt cx="0" cy="0"/>
+        </a:xfrm>
+      </p:grpSpPr>
+      <p:sp>
+        <p:nvSpPr>
+          <p:cNvPr id="2" name="Title 1">
+            <a:extLst>
+              <a:ext uri="{FF2B5EF4-FFF2-40B4-BE49-F238E27FC236}">
+                <a16:creationId xmlns:a16="http://schemas.microsoft.com/office/drawing/2014/main" id="{C521EB0E-EC09-174D-BB93-808C39208870}"/>
+              </a:ext>
+            </a:extLst>
+          </p:cNvPr>
+          <p:cNvSpPr>
+            <a:spLocks noGrp="1"/>
+          </p:cNvSpPr>
+          <p:nvPr>
+            <p:ph type="title"/>
+          </p:nvPr>
+        </p:nvSpPr>
+        <p:spPr/>
+        <p:txBody>
+          <a:bodyPr/>
+          <a:lstStyle/>
+          <a:p>
+            <a:r>
+              <a:rPr lang="en-US" dirty="0"/>
+              <a:t>Assumptions: The role of leader</a:t>
+            </a:r>
+          </a:p>
+        </p:txBody>
+      </p:sp>
+      <p:sp>
+        <p:nvSpPr>
+          <p:cNvPr id="3" name="Content Placeholder 2">
+            <a:extLst>
+              <a:ext uri="{FF2B5EF4-FFF2-40B4-BE49-F238E27FC236}">
+                <a16:creationId xmlns:a16="http://schemas.microsoft.com/office/drawing/2014/main" id="{E1186D32-34BE-5F41-AF2D-760763FFC2FB}"/>
+              </a:ext>
+            </a:extLst>
+          </p:cNvPr>
+          <p:cNvSpPr>
+            <a:spLocks noGrp="1"/>
+          </p:cNvSpPr>
+          <p:nvPr>
+            <p:ph idx="1"/>
+          </p:nvPr>
+        </p:nvSpPr>
+        <p:spPr/>
+        <p:txBody>
+          <a:bodyPr/>
+          <a:lstStyle/>
+          <a:p>
+            <a:r>
+              <a:rPr lang="en-US" dirty="0"/>
+              <a:t>In a smoky room, the vision range of a person is about 3m to 4 m. Thus the first role of leader should be to inform everyone where the exit is. </a:t>
+            </a:r>
+          </a:p>
+          <a:p>
+            <a:r>
+              <a:rPr lang="en-US" dirty="0"/>
+              <a:t>Very often, when many people want to go through a single exit in an emergency situation, pushing and clogging happens.</a:t>
+            </a:r>
+          </a:p>
+        </p:txBody>
+      </p:sp>
+    </p:spTree>
+    <p:extLst>
+      <p:ext uri="{BB962C8B-B14F-4D97-AF65-F5344CB8AC3E}">
+        <p14:creationId xmlns:p14="http://schemas.microsoft.com/office/powerpoint/2010/main" val="2962199719"/>
+      </p:ext>
+    </p:extLst>
+  </p:cSld>
+  <p:clrMapOvr>
+    <a:masterClrMapping/>
+  </p:clrMapOvr>
 </p:sld>
 </file>
 
@@ -4876,4 +6635,299 @@
     </a:ext>
   </a:extLst>
 </a:theme>
+</file>
+
+<file path=ppt/theme/theme2.xml><?xml version="1.0" encoding="utf-8"?>
+<a:theme xmlns:a="http://schemas.openxmlformats.org/drawingml/2006/main" name="Office Theme">
+  <a:themeElements>
+    <a:clrScheme name="Office">
+      <a:dk1>
+        <a:sysClr val="windowText" lastClr="000000"/>
+      </a:dk1>
+      <a:lt1>
+        <a:sysClr val="window" lastClr="FFFFFF"/>
+      </a:lt1>
+      <a:dk2>
+        <a:srgbClr val="44546A"/>
+      </a:dk2>
+      <a:lt2>
+        <a:srgbClr val="E7E6E6"/>
+      </a:lt2>
+      <a:accent1>
+        <a:srgbClr val="4472C4"/>
+      </a:accent1>
+      <a:accent2>
+        <a:srgbClr val="ED7D31"/>
+      </a:accent2>
+      <a:accent3>
+        <a:srgbClr val="A5A5A5"/>
+      </a:accent3>
+      <a:accent4>
+        <a:srgbClr val="FFC000"/>
+      </a:accent4>
+      <a:accent5>
+        <a:srgbClr val="5B9BD5"/>
+      </a:accent5>
+      <a:accent6>
+        <a:srgbClr val="70AD47"/>
+      </a:accent6>
+      <a:hlink>
+        <a:srgbClr val="0563C1"/>
+      </a:hlink>
+      <a:folHlink>
+        <a:srgbClr val="954F72"/>
+      </a:folHlink>
+    </a:clrScheme>
+    <a:fontScheme name="Office">
+      <a:majorFont>
+        <a:latin typeface="Calibri Light" panose="020F0302020204030204"/>
+        <a:ea typeface=""/>
+        <a:cs typeface=""/>
+        <a:font script="Jpan" typeface="游ゴシック Light"/>
+        <a:font script="Hang" typeface="맑은 고딕"/>
+        <a:font script="Hans" typeface="等线 Light"/>
+        <a:font script="Hant" typeface="新細明體"/>
+        <a:font script="Arab" typeface="Times New Roman"/>
+        <a:font script="Hebr" typeface="Times New Roman"/>
+        <a:font script="Thai" typeface="Angsana New"/>
+        <a:font script="Ethi" typeface="Nyala"/>
+        <a:font script="Beng" typeface="Vrinda"/>
+        <a:font script="Gujr" typeface="Shruti"/>
+        <a:font script="Khmr" typeface="MoolBoran"/>
+        <a:font script="Knda" typeface="Tunga"/>
+        <a:font script="Guru" typeface="Raavi"/>
+        <a:font script="Cans" typeface="Euphemia"/>
+        <a:font script="Cher" typeface="Plantagenet Cherokee"/>
+        <a:font script="Yiii" typeface="Microsoft Yi Baiti"/>
+        <a:font script="Tibt" typeface="Microsoft Himalaya"/>
+        <a:font script="Thaa" typeface="MV Boli"/>
+        <a:font script="Deva" typeface="Mangal"/>
+        <a:font script="Telu" typeface="Gautami"/>
+        <a:font script="Taml" typeface="Latha"/>
+        <a:font script="Syrc" typeface="Estrangelo Edessa"/>
+        <a:font script="Orya" typeface="Kalinga"/>
+        <a:font script="Mlym" typeface="Kartika"/>
+        <a:font script="Laoo" typeface="DokChampa"/>
+        <a:font script="Sinh" typeface="Iskoola Pota"/>
+        <a:font script="Mong" typeface="Mongolian Baiti"/>
+        <a:font script="Viet" typeface="Times New Roman"/>
+        <a:font script="Uigh" typeface="Microsoft Uighur"/>
+        <a:font script="Geor" typeface="Sylfaen"/>
+        <a:font script="Armn" typeface="Arial"/>
+        <a:font script="Bugi" typeface="Leelawadee UI"/>
+        <a:font script="Bopo" typeface="Microsoft JhengHei"/>
+        <a:font script="Java" typeface="Javanese Text"/>
+        <a:font script="Lisu" typeface="Segoe UI"/>
+        <a:font script="Mymr" typeface="Myanmar Text"/>
+        <a:font script="Nkoo" typeface="Ebrima"/>
+        <a:font script="Olck" typeface="Nirmala UI"/>
+        <a:font script="Osma" typeface="Ebrima"/>
+        <a:font script="Phag" typeface="Phagspa"/>
+        <a:font script="Syrn" typeface="Estrangelo Edessa"/>
+        <a:font script="Syrj" typeface="Estrangelo Edessa"/>
+        <a:font script="Syre" typeface="Estrangelo Edessa"/>
+        <a:font script="Sora" typeface="Nirmala UI"/>
+        <a:font script="Tale" typeface="Microsoft Tai Le"/>
+        <a:font script="Talu" typeface="Microsoft New Tai Lue"/>
+        <a:font script="Tfng" typeface="Ebrima"/>
+      </a:majorFont>
+      <a:minorFont>
+        <a:latin typeface="Calibri" panose="020F0502020204030204"/>
+        <a:ea typeface=""/>
+        <a:cs typeface=""/>
+        <a:font script="Jpan" typeface="游ゴシック"/>
+        <a:font script="Hang" typeface="맑은 고딕"/>
+        <a:font script="Hans" typeface="等线"/>
+        <a:font script="Hant" typeface="新細明體"/>
+        <a:font script="Arab" typeface="Arial"/>
+        <a:font script="Hebr" typeface="Arial"/>
+        <a:font script="Thai" typeface="Cordia New"/>
+        <a:font script="Ethi" typeface="Nyala"/>
+        <a:font script="Beng" typeface="Vrinda"/>
+        <a:font script="Gujr" typeface="Shruti"/>
+        <a:font script="Khmr" typeface="DaunPenh"/>
+        <a:font script="Knda" typeface="Tunga"/>
+        <a:font script="Guru" typeface="Raavi"/>
+        <a:font script="Cans" typeface="Euphemia"/>
+        <a:font script="Cher" typeface="Plantagenet Cherokee"/>
+        <a:font script="Yiii" typeface="Microsoft Yi Baiti"/>
+        <a:font script="Tibt" typeface="Microsoft Himalaya"/>
+        <a:font script="Thaa" typeface="MV Boli"/>
+        <a:font script="Deva" typeface="Mangal"/>
+        <a:font script="Telu" typeface="Gautami"/>
+        <a:font script="Taml" typeface="Latha"/>
+        <a:font script="Syrc" typeface="Estrangelo Edessa"/>
+        <a:font script="Orya" typeface="Kalinga"/>
+        <a:font script="Mlym" typeface="Kartika"/>
+        <a:font script="Laoo" typeface="DokChampa"/>
+        <a:font script="Sinh" typeface="Iskoola Pota"/>
+        <a:font script="Mong" typeface="Mongolian Baiti"/>
+        <a:font script="Viet" typeface="Arial"/>
+        <a:font script="Uigh" typeface="Microsoft Uighur"/>
+        <a:font script="Geor" typeface="Sylfaen"/>
+        <a:font script="Armn" typeface="Arial"/>
+        <a:font script="Bugi" typeface="Leelawadee UI"/>
+        <a:font script="Bopo" typeface="Microsoft JhengHei"/>
+        <a:font script="Java" typeface="Javanese Text"/>
+        <a:font script="Lisu" typeface="Segoe UI"/>
+        <a:font script="Mymr" typeface="Myanmar Text"/>
+        <a:font script="Nkoo" typeface="Ebrima"/>
+        <a:font script="Olck" typeface="Nirmala UI"/>
+        <a:font script="Osma" typeface="Ebrima"/>
+        <a:font script="Phag" typeface="Phagspa"/>
+        <a:font script="Syrn" typeface="Estrangelo Edessa"/>
+        <a:font script="Syrj" typeface="Estrangelo Edessa"/>
+        <a:font script="Syre" typeface="Estrangelo Edessa"/>
+        <a:font script="Sora" typeface="Nirmala UI"/>
+        <a:font script="Tale" typeface="Microsoft Tai Le"/>
+        <a:font script="Talu" typeface="Microsoft New Tai Lue"/>
+        <a:font script="Tfng" typeface="Ebrima"/>
+      </a:minorFont>
+    </a:fontScheme>
+    <a:fmtScheme name="Office">
+      <a:fillStyleLst>
+        <a:solidFill>
+          <a:schemeClr val="phClr"/>
+        </a:solidFill>
+        <a:gradFill rotWithShape="1">
+          <a:gsLst>
+            <a:gs pos="0">
+              <a:schemeClr val="phClr">
+                <a:lumMod val="110000"/>
+                <a:satMod val="105000"/>
+                <a:tint val="67000"/>
+              </a:schemeClr>
+            </a:gs>
+            <a:gs pos="50000">
+              <a:schemeClr val="phClr">
+                <a:lumMod val="105000"/>
+                <a:satMod val="103000"/>
+                <a:tint val="73000"/>
+              </a:schemeClr>
+            </a:gs>
+            <a:gs pos="100000">
+              <a:schemeClr val="phClr">
+                <a:lumMod val="105000"/>
+                <a:satMod val="109000"/>
+                <a:tint val="81000"/>
+              </a:schemeClr>
+            </a:gs>
+          </a:gsLst>
+          <a:lin ang="5400000" scaled="0"/>
+        </a:gradFill>
+        <a:gradFill rotWithShape="1">
+          <a:gsLst>
+            <a:gs pos="0">
+              <a:schemeClr val="phClr">
+                <a:satMod val="103000"/>
+                <a:lumMod val="102000"/>
+                <a:tint val="94000"/>
+              </a:schemeClr>
+            </a:gs>
+            <a:gs pos="50000">
+              <a:schemeClr val="phClr">
+                <a:satMod val="110000"/>
+                <a:lumMod val="100000"/>
+                <a:shade val="100000"/>
+              </a:schemeClr>
+            </a:gs>
+            <a:gs pos="100000">
+              <a:schemeClr val="phClr">
+                <a:lumMod val="99000"/>
+                <a:satMod val="120000"/>
+                <a:shade val="78000"/>
+              </a:schemeClr>
+            </a:gs>
+          </a:gsLst>
+          <a:lin ang="5400000" scaled="0"/>
+        </a:gradFill>
+      </a:fillStyleLst>
+      <a:lnStyleLst>
+        <a:ln w="6350" cap="flat" cmpd="sng" algn="ctr">
+          <a:solidFill>
+            <a:schemeClr val="phClr"/>
+          </a:solidFill>
+          <a:prstDash val="solid"/>
+          <a:miter lim="800000"/>
+        </a:ln>
+        <a:ln w="12700" cap="flat" cmpd="sng" algn="ctr">
+          <a:solidFill>
+            <a:schemeClr val="phClr"/>
+          </a:solidFill>
+          <a:prstDash val="solid"/>
+          <a:miter lim="800000"/>
+        </a:ln>
+        <a:ln w="19050" cap="flat" cmpd="sng" algn="ctr">
+          <a:solidFill>
+            <a:schemeClr val="phClr"/>
+          </a:solidFill>
+          <a:prstDash val="solid"/>
+          <a:miter lim="800000"/>
+        </a:ln>
+      </a:lnStyleLst>
+      <a:effectStyleLst>
+        <a:effectStyle>
+          <a:effectLst/>
+        </a:effectStyle>
+        <a:effectStyle>
+          <a:effectLst/>
+        </a:effectStyle>
+        <a:effectStyle>
+          <a:effectLst>
+            <a:outerShdw blurRad="57150" dist="19050" dir="5400000" algn="ctr" rotWithShape="0">
+              <a:srgbClr val="000000">
+                <a:alpha val="63000"/>
+              </a:srgbClr>
+            </a:outerShdw>
+          </a:effectLst>
+        </a:effectStyle>
+      </a:effectStyleLst>
+      <a:bgFillStyleLst>
+        <a:solidFill>
+          <a:schemeClr val="phClr"/>
+        </a:solidFill>
+        <a:solidFill>
+          <a:schemeClr val="phClr">
+            <a:tint val="95000"/>
+            <a:satMod val="170000"/>
+          </a:schemeClr>
+        </a:solidFill>
+        <a:gradFill rotWithShape="1">
+          <a:gsLst>
+            <a:gs pos="0">
+              <a:schemeClr val="phClr">
+                <a:tint val="93000"/>
+                <a:satMod val="150000"/>
+                <a:shade val="98000"/>
+                <a:lumMod val="102000"/>
+              </a:schemeClr>
+            </a:gs>
+            <a:gs pos="50000">
+              <a:schemeClr val="phClr">
+                <a:tint val="98000"/>
+                <a:satMod val="130000"/>
+                <a:shade val="90000"/>
+                <a:lumMod val="103000"/>
+              </a:schemeClr>
+            </a:gs>
+            <a:gs pos="100000">
+              <a:schemeClr val="phClr">
+                <a:shade val="63000"/>
+                <a:satMod val="120000"/>
+              </a:schemeClr>
+            </a:gs>
+          </a:gsLst>
+          <a:lin ang="5400000" scaled="0"/>
+        </a:gradFill>
+      </a:bgFillStyleLst>
+    </a:fmtScheme>
+  </a:themeElements>
+  <a:objectDefaults/>
+  <a:extraClrSchemeLst/>
+  <a:extLst>
+    <a:ext uri="{05A4C25C-085E-4340-85A3-A5531E510DB2}">
+      <thm15:themeFamily xmlns:thm15="http://schemas.microsoft.com/office/thememl/2012/main" name="Office Theme" id="{62F939B6-93AF-4DB8-9C6B-D6C7DFDC589F}" vid="{4A3C46E8-61CC-4603-A589-7422A47A8E4A}"/>
+    </a:ext>
+  </a:extLst>
+</a:theme>
 </file>